--- a/sougu-info/搜谷聚合方案.pptx
+++ b/sougu-info/搜谷聚合方案.pptx
@@ -5,10 +5,10 @@
     <p:sldMasterId id="2147483648" r:id="rId4"/>
   </p:sldMasterIdLst>
   <p:notesMasterIdLst>
-    <p:notesMasterId r:id="rId13"/>
+    <p:notesMasterId r:id="rId16"/>
   </p:notesMasterIdLst>
   <p:handoutMasterIdLst>
-    <p:handoutMasterId r:id="rId14"/>
+    <p:handoutMasterId r:id="rId17"/>
   </p:handoutMasterIdLst>
   <p:sldIdLst>
     <p:sldId id="256" r:id="rId5"/>
@@ -19,6 +19,9 @@
     <p:sldId id="282" r:id="rId10"/>
     <p:sldId id="284" r:id="rId11"/>
     <p:sldId id="281" r:id="rId12"/>
+    <p:sldId id="285" r:id="rId13"/>
+    <p:sldId id="287" r:id="rId14"/>
+    <p:sldId id="286" r:id="rId15"/>
   </p:sldIdLst>
   <p:sldSz cx="12192000" cy="6858000"/>
   <p:notesSz cx="6858000" cy="9144000"/>
@@ -906,23 +909,19 @@
             <a:defRPr cap="all"/>
           </a:pPr>
           <a:r>
-            <a:rPr lang="zh-CN" altLang="en-US" noProof="0" dirty="0" smtClean="0">
+            <a:rPr lang="zh-CN" altLang="en-US" noProof="0" dirty="0">
               <a:latin typeface="Microsoft YaHei UI" panose="020B0503020204020204" pitchFamily="34" charset="-122"/>
               <a:ea typeface="Microsoft YaHei UI" panose="020B0503020204020204" pitchFamily="34" charset="-122"/>
             </a:rPr>
             <a:t>跳转</a:t>
           </a:r>
           <a:r>
-            <a:rPr lang="en-US" altLang="zh-CN" noProof="0" dirty="0" smtClean="0">
+            <a:rPr lang="en-US" altLang="zh-CN" noProof="0" dirty="0">
               <a:latin typeface="Microsoft YaHei UI" panose="020B0503020204020204" pitchFamily="34" charset="-122"/>
               <a:ea typeface="Microsoft YaHei UI" panose="020B0503020204020204" pitchFamily="34" charset="-122"/>
             </a:rPr>
             <a:t>APP</a:t>
           </a:r>
-          <a:endParaRPr lang="en-US" altLang="zh-CN" noProof="0" dirty="0">
-            <a:latin typeface="Microsoft YaHei UI" panose="020B0503020204020204" pitchFamily="34" charset="-122"/>
-            <a:ea typeface="Microsoft YaHei UI" panose="020B0503020204020204" pitchFamily="34" charset="-122"/>
-          </a:endParaRPr>
         </a:p>
       </dgm:t>
     </dgm:pt>
@@ -970,7 +969,7 @@
             <a:defRPr cap="all"/>
           </a:pPr>
           <a:r>
-            <a:rPr lang="zh-CN" altLang="en-US" noProof="0" dirty="0" smtClean="0">
+            <a:rPr lang="zh-CN" altLang="en-US" noProof="0" dirty="0">
               <a:latin typeface="Microsoft YaHei UI" panose="020B0503020204020204" pitchFamily="34" charset="-122"/>
               <a:ea typeface="Microsoft YaHei UI" panose="020B0503020204020204" pitchFamily="34" charset="-122"/>
             </a:rPr>
@@ -1021,24 +1020,10 @@
         </dgm:presLayoutVars>
       </dgm:prSet>
       <dgm:spPr/>
-      <dgm:t>
-        <a:bodyPr/>
-        <a:lstStyle/>
-        <a:p>
-          <a:endParaRPr lang="zh-CN" altLang="en-US"/>
-        </a:p>
-      </dgm:t>
     </dgm:pt>
     <dgm:pt modelId="{DE9CE479-E4AE-4283-AEF1-10C1535B4324}" type="pres">
       <dgm:prSet presAssocID="{40FC4FFE-8987-4A26-B7F4-8A516F18ADAE}" presName="compNode" presStyleCnt="0"/>
       <dgm:spPr/>
-      <dgm:t>
-        <a:bodyPr/>
-        <a:lstStyle/>
-        <a:p>
-          <a:endParaRPr lang="zh-CN" altLang="en-US"/>
-        </a:p>
-      </dgm:t>
     </dgm:pt>
     <dgm:pt modelId="{B59FCF02-CAD2-4D6F-9542-AD86711168CA}" type="pres">
       <dgm:prSet presAssocID="{40FC4FFE-8987-4A26-B7F4-8A516F18ADAE}" presName="iconBgRect" presStyleLbl="bgShp" presStyleIdx="0" presStyleCnt="2"/>
@@ -1047,13 +1032,6 @@
           <a:schemeClr val="accent1"/>
         </a:solidFill>
       </dgm:spPr>
-      <dgm:t>
-        <a:bodyPr/>
-        <a:lstStyle/>
-        <a:p>
-          <a:endParaRPr lang="zh-CN" altLang="en-US"/>
-        </a:p>
-      </dgm:t>
     </dgm:pt>
     <dgm:pt modelId="{7C175B98-93F4-4D7C-BB95-1514AB879CD5}" type="pres">
       <dgm:prSet presAssocID="{40FC4FFE-8987-4A26-B7F4-8A516F18ADAE}" presName="iconRect" presStyleLbl="node1" presStyleIdx="0" presStyleCnt="2"/>
@@ -1065,7 +1043,7 @@
                 <a14:useLocalDpi xmlns:a14="http://schemas.microsoft.com/office/drawing/2010/main" val="0"/>
               </a:ext>
               <a:ext uri="{96DAC541-7B7A-43D3-8B79-37D633B846F1}">
-                <asvg:svgBlip xmlns:asvg="http://schemas.microsoft.com/office/drawing/2016/SVG/main" xmlns="" r:embed="rId2"/>
+                <asvg:svgBlip xmlns:asvg="http://schemas.microsoft.com/office/drawing/2016/SVG/main" r:embed="rId2"/>
               </a:ext>
             </a:extLst>
           </a:blip>
@@ -1078,13 +1056,6 @@
           <a:noFill/>
         </a:ln>
       </dgm:spPr>
-      <dgm:t>
-        <a:bodyPr/>
-        <a:lstStyle/>
-        <a:p>
-          <a:endParaRPr lang="zh-CN" altLang="en-US"/>
-        </a:p>
-      </dgm:t>
       <dgm:extLst>
         <a:ext uri="{E40237B7-FDA0-4F09-8148-C483321AD2D9}">
           <dgm14:cNvPr xmlns:dgm14="http://schemas.microsoft.com/office/drawing/2010/diagram" id="0" name="" descr="Bar graph with downward trend"/>
@@ -1094,13 +1065,6 @@
     <dgm:pt modelId="{677A3090-5F01-43FD-9FA6-C0420AD80FD6}" type="pres">
       <dgm:prSet presAssocID="{40FC4FFE-8987-4A26-B7F4-8A516F18ADAE}" presName="spaceRect" presStyleCnt="0"/>
       <dgm:spPr/>
-      <dgm:t>
-        <a:bodyPr/>
-        <a:lstStyle/>
-        <a:p>
-          <a:endParaRPr lang="zh-CN" altLang="en-US"/>
-        </a:p>
-      </dgm:t>
     </dgm:pt>
     <dgm:pt modelId="{127117FB-F8A7-4A20-A8A7-EC686DDC76D0}" type="pres">
       <dgm:prSet presAssocID="{40FC4FFE-8987-4A26-B7F4-8A516F18ADAE}" presName="textRect" presStyleLbl="revTx" presStyleIdx="0" presStyleCnt="2">
@@ -1110,35 +1074,14 @@
         </dgm:presLayoutVars>
       </dgm:prSet>
       <dgm:spPr/>
-      <dgm:t>
-        <a:bodyPr/>
-        <a:lstStyle/>
-        <a:p>
-          <a:endParaRPr lang="zh-CN" altLang="en-US"/>
-        </a:p>
-      </dgm:t>
     </dgm:pt>
     <dgm:pt modelId="{FD1EED9C-83D3-41AD-A09B-D3B36354168F}" type="pres">
       <dgm:prSet presAssocID="{5B62599A-5C9B-48E7-896E-EA782AC60C8B}" presName="sibTrans" presStyleCnt="0"/>
       <dgm:spPr/>
-      <dgm:t>
-        <a:bodyPr/>
-        <a:lstStyle/>
-        <a:p>
-          <a:endParaRPr lang="zh-CN" altLang="en-US"/>
-        </a:p>
-      </dgm:t>
     </dgm:pt>
     <dgm:pt modelId="{C998AB0A-577D-44AA-A068-F634DDE7BD47}" type="pres">
       <dgm:prSet presAssocID="{49225C73-1633-42F1-AB3B-7CB183E5F8B8}" presName="compNode" presStyleCnt="0"/>
       <dgm:spPr/>
-      <dgm:t>
-        <a:bodyPr/>
-        <a:lstStyle/>
-        <a:p>
-          <a:endParaRPr lang="zh-CN" altLang="en-US"/>
-        </a:p>
-      </dgm:t>
     </dgm:pt>
     <dgm:pt modelId="{BCD8CDD9-0C56-4401-ADB1-8B48DAB2C96F}" type="pres">
       <dgm:prSet presAssocID="{49225C73-1633-42F1-AB3B-7CB183E5F8B8}" presName="iconBgRect" presStyleLbl="bgShp" presStyleIdx="1" presStyleCnt="2"/>
@@ -1147,13 +1090,6 @@
           <a:schemeClr val="accent1"/>
         </a:solidFill>
       </dgm:spPr>
-      <dgm:t>
-        <a:bodyPr/>
-        <a:lstStyle/>
-        <a:p>
-          <a:endParaRPr lang="zh-CN" altLang="en-US"/>
-        </a:p>
-      </dgm:t>
     </dgm:pt>
     <dgm:pt modelId="{DB4CA7C4-FCA1-4127-B20A-2A5C031A3CF4}" type="pres">
       <dgm:prSet presAssocID="{49225C73-1633-42F1-AB3B-7CB183E5F8B8}" presName="iconRect" presStyleLbl="node1" presStyleIdx="1" presStyleCnt="2" custScaleX="61662" custLinFactNeighborX="660" custLinFactNeighborY="2552"/>
@@ -1165,25 +1101,10 @@
           <a:noFill/>
         </a:ln>
       </dgm:spPr>
-      <dgm:t>
-        <a:bodyPr/>
-        <a:lstStyle/>
-        <a:p>
-          <a:endParaRPr lang="zh-CN" altLang="en-US"/>
-        </a:p>
-      </dgm:t>
-      <dgm:extLst/>
     </dgm:pt>
     <dgm:pt modelId="{9B0C8FBF-0BDD-48A5-967E-F3FE71659F6A}" type="pres">
       <dgm:prSet presAssocID="{49225C73-1633-42F1-AB3B-7CB183E5F8B8}" presName="spaceRect" presStyleCnt="0"/>
       <dgm:spPr/>
-      <dgm:t>
-        <a:bodyPr/>
-        <a:lstStyle/>
-        <a:p>
-          <a:endParaRPr lang="zh-CN" altLang="en-US"/>
-        </a:p>
-      </dgm:t>
     </dgm:pt>
     <dgm:pt modelId="{7E6FE37A-5DB0-4899-9FCB-0CE39BC185F8}" type="pres">
       <dgm:prSet presAssocID="{49225C73-1633-42F1-AB3B-7CB183E5F8B8}" presName="textRect" presStyleLbl="revTx" presStyleIdx="1" presStyleCnt="2">
@@ -1193,21 +1114,14 @@
         </dgm:presLayoutVars>
       </dgm:prSet>
       <dgm:spPr/>
-      <dgm:t>
-        <a:bodyPr/>
-        <a:lstStyle/>
-        <a:p>
-          <a:endParaRPr lang="zh-CN" altLang="en-US"/>
-        </a:p>
-      </dgm:t>
     </dgm:pt>
   </dgm:ptLst>
   <dgm:cxnLst>
+    <dgm:cxn modelId="{A9154303-8225-4248-91DC-1B0156A35F07}" srcId="{01A66772-F185-4D58-B8BB-E9370D7A7A2B}" destId="{49225C73-1633-42F1-AB3B-7CB183E5F8B8}" srcOrd="1" destOrd="0" parTransId="{1A0E2090-1D4F-438A-8766-B6030CE01ADD}" sibTransId="{9646853A-8964-4519-A5B1-0B7D18B2983D}"/>
+    <dgm:cxn modelId="{7A710F69-5154-4855-ACF5-BC7C1BF85A80}" type="presOf" srcId="{49225C73-1633-42F1-AB3B-7CB183E5F8B8}" destId="{7E6FE37A-5DB0-4899-9FCB-0CE39BC185F8}" srcOrd="0" destOrd="0" presId="urn:microsoft.com/office/officeart/2018/5/layout/IconCircleLabelList"/>
     <dgm:cxn modelId="{C7AD8469-3C68-4AF9-AB82-79B0043AA120}" srcId="{01A66772-F185-4D58-B8BB-E9370D7A7A2B}" destId="{40FC4FFE-8987-4A26-B7F4-8A516F18ADAE}" srcOrd="0" destOrd="0" parTransId="{CAD7EF86-FB23-41F6-BF42-040B36DEFDB1}" sibTransId="{5B62599A-5C9B-48E7-896E-EA782AC60C8B}"/>
+    <dgm:cxn modelId="{676D3A6A-6EA7-4483-BB12-0BD4A7D7AF9D}" type="presOf" srcId="{01A66772-F185-4D58-B8BB-E9370D7A7A2B}" destId="{50B3CE7C-E10B-4E23-BD93-03664997C932}" srcOrd="0" destOrd="0" presId="urn:microsoft.com/office/officeart/2018/5/layout/IconCircleLabelList"/>
     <dgm:cxn modelId="{355227E3-55E0-4343-BC8D-FC0EB1694F48}" type="presOf" srcId="{40FC4FFE-8987-4A26-B7F4-8A516F18ADAE}" destId="{127117FB-F8A7-4A20-A8A7-EC686DDC76D0}" srcOrd="0" destOrd="0" presId="urn:microsoft.com/office/officeart/2018/5/layout/IconCircleLabelList"/>
-    <dgm:cxn modelId="{A9154303-8225-4248-91DC-1B0156A35F07}" srcId="{01A66772-F185-4D58-B8BB-E9370D7A7A2B}" destId="{49225C73-1633-42F1-AB3B-7CB183E5F8B8}" srcOrd="1" destOrd="0" parTransId="{1A0E2090-1D4F-438A-8766-B6030CE01ADD}" sibTransId="{9646853A-8964-4519-A5B1-0B7D18B2983D}"/>
-    <dgm:cxn modelId="{676D3A6A-6EA7-4483-BB12-0BD4A7D7AF9D}" type="presOf" srcId="{01A66772-F185-4D58-B8BB-E9370D7A7A2B}" destId="{50B3CE7C-E10B-4E23-BD93-03664997C932}" srcOrd="0" destOrd="0" presId="urn:microsoft.com/office/officeart/2018/5/layout/IconCircleLabelList"/>
-    <dgm:cxn modelId="{7A710F69-5154-4855-ACF5-BC7C1BF85A80}" type="presOf" srcId="{49225C73-1633-42F1-AB3B-7CB183E5F8B8}" destId="{7E6FE37A-5DB0-4899-9FCB-0CE39BC185F8}" srcOrd="0" destOrd="0" presId="urn:microsoft.com/office/officeart/2018/5/layout/IconCircleLabelList"/>
     <dgm:cxn modelId="{555498CB-3ED1-404E-A25F-EB243EFC5FB1}" type="presParOf" srcId="{50B3CE7C-E10B-4E23-BD93-03664997C932}" destId="{DE9CE479-E4AE-4283-AEF1-10C1535B4324}" srcOrd="0" destOrd="0" presId="urn:microsoft.com/office/officeart/2018/5/layout/IconCircleLabelList"/>
     <dgm:cxn modelId="{11F12D49-CD08-4D50-BD13-3ECBC3A476A4}" type="presParOf" srcId="{DE9CE479-E4AE-4283-AEF1-10C1535B4324}" destId="{B59FCF02-CAD2-4D6F-9542-AD86711168CA}" srcOrd="0" destOrd="0" presId="urn:microsoft.com/office/officeart/2018/5/layout/IconCircleLabelList"/>
     <dgm:cxn modelId="{F443A659-540B-487B-97F9-49219CF60D6B}" type="presParOf" srcId="{DE9CE479-E4AE-4283-AEF1-10C1535B4324}" destId="{7C175B98-93F4-4D7C-BB95-1514AB879CD5}" srcOrd="1" destOrd="0" presId="urn:microsoft.com/office/officeart/2018/5/layout/IconCircleLabelList"/>
@@ -1302,7 +1216,7 @@
                 <a14:useLocalDpi xmlns:a14="http://schemas.microsoft.com/office/drawing/2010/main" val="0"/>
               </a:ext>
               <a:ext uri="{96DAC541-7B7A-43D3-8B79-37D633B846F1}">
-                <asvg:svgBlip xmlns:asvg="http://schemas.microsoft.com/office/drawing/2016/SVG/main" xmlns="" r:embed="rId2"/>
+                <asvg:svgBlip xmlns:asvg="http://schemas.microsoft.com/office/drawing/2016/SVG/main" r:embed="rId2"/>
               </a:ext>
             </a:extLst>
           </a:blip>
@@ -1369,7 +1283,7 @@
         </a:bodyPr>
         <a:lstStyle/>
         <a:p>
-          <a:pPr lvl="0" algn="ctr" defTabSz="1511300" rtl="0">
+          <a:pPr marL="0" lvl="0" indent="0" algn="ctr" defTabSz="1511300" rtl="0">
             <a:lnSpc>
               <a:spcPct val="100000"/>
             </a:lnSpc>
@@ -1379,26 +1293,23 @@
             <a:spcAft>
               <a:spcPct val="35000"/>
             </a:spcAft>
+            <a:buNone/>
             <a:defRPr cap="all"/>
           </a:pPr>
           <a:r>
-            <a:rPr lang="zh-CN" altLang="en-US" sz="3400" kern="1200" noProof="0" dirty="0" smtClean="0">
+            <a:rPr lang="zh-CN" altLang="en-US" sz="3400" kern="1200" noProof="0" dirty="0">
               <a:latin typeface="Microsoft YaHei UI" panose="020B0503020204020204" pitchFamily="34" charset="-122"/>
               <a:ea typeface="Microsoft YaHei UI" panose="020B0503020204020204" pitchFamily="34" charset="-122"/>
             </a:rPr>
             <a:t>跳转</a:t>
           </a:r>
           <a:r>
-            <a:rPr lang="en-US" altLang="zh-CN" sz="3400" kern="1200" noProof="0" dirty="0" smtClean="0">
+            <a:rPr lang="en-US" altLang="zh-CN" sz="3400" kern="1200" noProof="0" dirty="0">
               <a:latin typeface="Microsoft YaHei UI" panose="020B0503020204020204" pitchFamily="34" charset="-122"/>
               <a:ea typeface="Microsoft YaHei UI" panose="020B0503020204020204" pitchFamily="34" charset="-122"/>
             </a:rPr>
             <a:t>APP</a:t>
           </a:r>
-          <a:endParaRPr lang="en-US" altLang="zh-CN" sz="3400" kern="1200" noProof="0" dirty="0">
-            <a:latin typeface="Microsoft YaHei UI" panose="020B0503020204020204" pitchFamily="34" charset="-122"/>
-            <a:ea typeface="Microsoft YaHei UI" panose="020B0503020204020204" pitchFamily="34" charset="-122"/>
-          </a:endParaRPr>
         </a:p>
       </dsp:txBody>
       <dsp:txXfrm>
@@ -1519,7 +1430,7 @@
         </a:bodyPr>
         <a:lstStyle/>
         <a:p>
-          <a:pPr lvl="0" algn="ctr" defTabSz="1511300" rtl="0">
+          <a:pPr marL="0" lvl="0" indent="0" algn="ctr" defTabSz="1511300" rtl="0">
             <a:lnSpc>
               <a:spcPct val="100000"/>
             </a:lnSpc>
@@ -1529,10 +1440,11 @@
             <a:spcAft>
               <a:spcPct val="35000"/>
             </a:spcAft>
+            <a:buNone/>
             <a:defRPr cap="all"/>
           </a:pPr>
           <a:r>
-            <a:rPr lang="zh-CN" altLang="en-US" sz="3400" kern="1200" noProof="0" dirty="0" smtClean="0">
+            <a:rPr lang="zh-CN" altLang="en-US" sz="3400" kern="1200" noProof="0" dirty="0">
               <a:latin typeface="Microsoft YaHei UI" panose="020B0503020204020204" pitchFamily="34" charset="-122"/>
               <a:ea typeface="Microsoft YaHei UI" panose="020B0503020204020204" pitchFamily="34" charset="-122"/>
             </a:rPr>
@@ -1755,7 +1667,7 @@
   </dgm:layoutNode>
   <dgm:extLst>
     <a:ext uri="{68A01E43-0DF5-4B5B-8FA6-DAF915123BFB}">
-      <dgm1612:lstStyle xmlns:dgm1612="http://schemas.microsoft.com/office/drawing/2016/12/diagram" xmlns="">
+      <dgm1612:lstStyle xmlns:dgm1612="http://schemas.microsoft.com/office/drawing/2016/12/diagram">
         <a:lvl1pPr>
           <a:lnSpc>
             <a:spcPct val="100000"/>
@@ -2892,7 +2804,7 @@
                 <a:latin typeface="Microsoft YaHei UI" panose="020B0503020204020204" pitchFamily="34" charset="-122"/>
                 <a:ea typeface="Microsoft YaHei UI" panose="020B0503020204020204" pitchFamily="34" charset="-122"/>
               </a:rPr>
-              <a:t>2022/3/22</a:t>
+              <a:t>2022/4/8</a:t>
             </a:fld>
             <a:endParaRPr lang="zh-CN" altLang="en-US" dirty="0">
               <a:latin typeface="Microsoft YaHei UI" panose="020B0503020204020204" pitchFamily="34" charset="-122"/>
@@ -3079,7 +2991,7 @@
             <a:fld id="{BCCCEA71-DC42-43D1-8340-DB07629004C9}" type="datetime1">
               <a:rPr lang="zh-CN" altLang="en-US" smtClean="0"/>
               <a:pPr/>
-              <a:t>2022/3/22</a:t>
+              <a:t>2022/4/8</a:t>
             </a:fld>
             <a:endParaRPr lang="zh-CN" altLang="en-US" dirty="0"/>
           </a:p>
@@ -3441,6 +3353,196 @@
     <p:extLst>
       <p:ext uri="{BB962C8B-B14F-4D97-AF65-F5344CB8AC3E}">
         <p14:creationId xmlns:p14="http://schemas.microsoft.com/office/powerpoint/2010/main" val="3859257745"/>
+      </p:ext>
+    </p:extLst>
+  </p:cSld>
+  <p:clrMapOvr>
+    <a:masterClrMapping/>
+  </p:clrMapOvr>
+</p:notes>
+</file>
+
+<file path=ppt/notesSlides/notesSlide10.xml><?xml version="1.0" encoding="utf-8"?>
+<p:notes xmlns:a="http://schemas.openxmlformats.org/drawingml/2006/main" xmlns:r="http://schemas.openxmlformats.org/officeDocument/2006/relationships" xmlns:p="http://schemas.openxmlformats.org/presentationml/2006/main">
+  <p:cSld>
+    <p:spTree>
+      <p:nvGrpSpPr>
+        <p:cNvPr id="1" name=""/>
+        <p:cNvGrpSpPr/>
+        <p:nvPr/>
+      </p:nvGrpSpPr>
+      <p:grpSpPr>
+        <a:xfrm>
+          <a:off x="0" y="0"/>
+          <a:ext cx="0" cy="0"/>
+          <a:chOff x="0" y="0"/>
+          <a:chExt cx="0" cy="0"/>
+        </a:xfrm>
+      </p:grpSpPr>
+      <p:sp>
+        <p:nvSpPr>
+          <p:cNvPr id="2" name="幻灯片图像占位符 1"/>
+          <p:cNvSpPr>
+            <a:spLocks noGrp="1" noRot="1" noChangeAspect="1"/>
+          </p:cNvSpPr>
+          <p:nvPr>
+            <p:ph type="sldImg"/>
+          </p:nvPr>
+        </p:nvSpPr>
+        <p:spPr/>
+      </p:sp>
+      <p:sp>
+        <p:nvSpPr>
+          <p:cNvPr id="3" name="备注占位符 2"/>
+          <p:cNvSpPr>
+            <a:spLocks noGrp="1"/>
+          </p:cNvSpPr>
+          <p:nvPr>
+            <p:ph type="body" idx="1"/>
+          </p:nvPr>
+        </p:nvSpPr>
+        <p:spPr/>
+        <p:txBody>
+          <a:bodyPr rtlCol="0"/>
+          <a:lstStyle/>
+          <a:p>
+            <a:pPr rtl="0"/>
+            <a:endParaRPr lang="zh-CN" altLang="en-US" dirty="0">
+              <a:latin typeface="Microsoft YaHei UI" panose="020B0503020204020204" pitchFamily="34" charset="-122"/>
+              <a:ea typeface="Microsoft YaHei UI" panose="020B0503020204020204" pitchFamily="34" charset="-122"/>
+            </a:endParaRPr>
+          </a:p>
+        </p:txBody>
+      </p:sp>
+      <p:sp>
+        <p:nvSpPr>
+          <p:cNvPr id="4" name="幻灯片编号占位符 3"/>
+          <p:cNvSpPr>
+            <a:spLocks noGrp="1"/>
+          </p:cNvSpPr>
+          <p:nvPr>
+            <p:ph type="sldNum" sz="quarter" idx="10"/>
+          </p:nvPr>
+        </p:nvSpPr>
+        <p:spPr/>
+        <p:txBody>
+          <a:bodyPr rtlCol="0"/>
+          <a:lstStyle/>
+          <a:p>
+            <a:pPr rtl="0"/>
+            <a:fld id="{4B725628-3A68-42F4-BA86-981817953149}" type="slidenum">
+              <a:rPr lang="en-US" altLang="zh-CN" smtClean="0">
+                <a:latin typeface="Microsoft YaHei UI" panose="020B0503020204020204" pitchFamily="34" charset="-122"/>
+                <a:ea typeface="Microsoft YaHei UI" panose="020B0503020204020204" pitchFamily="34" charset="-122"/>
+              </a:rPr>
+              <a:t>10</a:t>
+            </a:fld>
+            <a:endParaRPr lang="zh-CN" altLang="en-US" dirty="0">
+              <a:latin typeface="Microsoft YaHei UI" panose="020B0503020204020204" pitchFamily="34" charset="-122"/>
+              <a:ea typeface="Microsoft YaHei UI" panose="020B0503020204020204" pitchFamily="34" charset="-122"/>
+            </a:endParaRPr>
+          </a:p>
+        </p:txBody>
+      </p:sp>
+    </p:spTree>
+    <p:extLst>
+      <p:ext uri="{BB962C8B-B14F-4D97-AF65-F5344CB8AC3E}">
+        <p14:creationId xmlns:p14="http://schemas.microsoft.com/office/powerpoint/2010/main" val="3295397796"/>
+      </p:ext>
+    </p:extLst>
+  </p:cSld>
+  <p:clrMapOvr>
+    <a:masterClrMapping/>
+  </p:clrMapOvr>
+</p:notes>
+</file>
+
+<file path=ppt/notesSlides/notesSlide11.xml><?xml version="1.0" encoding="utf-8"?>
+<p:notes xmlns:a="http://schemas.openxmlformats.org/drawingml/2006/main" xmlns:r="http://schemas.openxmlformats.org/officeDocument/2006/relationships" xmlns:p="http://schemas.openxmlformats.org/presentationml/2006/main">
+  <p:cSld>
+    <p:spTree>
+      <p:nvGrpSpPr>
+        <p:cNvPr id="1" name=""/>
+        <p:cNvGrpSpPr/>
+        <p:nvPr/>
+      </p:nvGrpSpPr>
+      <p:grpSpPr>
+        <a:xfrm>
+          <a:off x="0" y="0"/>
+          <a:ext cx="0" cy="0"/>
+          <a:chOff x="0" y="0"/>
+          <a:chExt cx="0" cy="0"/>
+        </a:xfrm>
+      </p:grpSpPr>
+      <p:sp>
+        <p:nvSpPr>
+          <p:cNvPr id="2" name="幻灯片图像占位符 1"/>
+          <p:cNvSpPr>
+            <a:spLocks noGrp="1" noRot="1" noChangeAspect="1"/>
+          </p:cNvSpPr>
+          <p:nvPr>
+            <p:ph type="sldImg"/>
+          </p:nvPr>
+        </p:nvSpPr>
+        <p:spPr/>
+      </p:sp>
+      <p:sp>
+        <p:nvSpPr>
+          <p:cNvPr id="3" name="备注占位符 2"/>
+          <p:cNvSpPr>
+            <a:spLocks noGrp="1"/>
+          </p:cNvSpPr>
+          <p:nvPr>
+            <p:ph type="body" idx="1"/>
+          </p:nvPr>
+        </p:nvSpPr>
+        <p:spPr/>
+        <p:txBody>
+          <a:bodyPr rtlCol="0"/>
+          <a:lstStyle/>
+          <a:p>
+            <a:pPr rtl="0"/>
+            <a:endParaRPr lang="zh-CN" altLang="en-US" dirty="0">
+              <a:latin typeface="Microsoft YaHei UI" panose="020B0503020204020204" pitchFamily="34" charset="-122"/>
+              <a:ea typeface="Microsoft YaHei UI" panose="020B0503020204020204" pitchFamily="34" charset="-122"/>
+            </a:endParaRPr>
+          </a:p>
+        </p:txBody>
+      </p:sp>
+      <p:sp>
+        <p:nvSpPr>
+          <p:cNvPr id="4" name="幻灯片编号占位符 3"/>
+          <p:cNvSpPr>
+            <a:spLocks noGrp="1"/>
+          </p:cNvSpPr>
+          <p:nvPr>
+            <p:ph type="sldNum" sz="quarter" idx="10"/>
+          </p:nvPr>
+        </p:nvSpPr>
+        <p:spPr/>
+        <p:txBody>
+          <a:bodyPr rtlCol="0"/>
+          <a:lstStyle/>
+          <a:p>
+            <a:pPr rtl="0"/>
+            <a:fld id="{4B725628-3A68-42F4-BA86-981817953149}" type="slidenum">
+              <a:rPr lang="en-US" altLang="zh-CN" smtClean="0">
+                <a:latin typeface="Microsoft YaHei UI" panose="020B0503020204020204" pitchFamily="34" charset="-122"/>
+                <a:ea typeface="Microsoft YaHei UI" panose="020B0503020204020204" pitchFamily="34" charset="-122"/>
+              </a:rPr>
+              <a:t>11</a:t>
+            </a:fld>
+            <a:endParaRPr lang="zh-CN" altLang="en-US" dirty="0">
+              <a:latin typeface="Microsoft YaHei UI" panose="020B0503020204020204" pitchFamily="34" charset="-122"/>
+              <a:ea typeface="Microsoft YaHei UI" panose="020B0503020204020204" pitchFamily="34" charset="-122"/>
+            </a:endParaRPr>
+          </a:p>
+        </p:txBody>
+      </p:sp>
+    </p:spTree>
+    <p:extLst>
+      <p:ext uri="{BB962C8B-B14F-4D97-AF65-F5344CB8AC3E}">
+        <p14:creationId xmlns:p14="http://schemas.microsoft.com/office/powerpoint/2010/main" val="1536257596"/>
       </p:ext>
     </p:extLst>
   </p:cSld>
@@ -4115,6 +4217,101 @@
 </p:notes>
 </file>
 
+<file path=ppt/notesSlides/notesSlide9.xml><?xml version="1.0" encoding="utf-8"?>
+<p:notes xmlns:a="http://schemas.openxmlformats.org/drawingml/2006/main" xmlns:r="http://schemas.openxmlformats.org/officeDocument/2006/relationships" xmlns:p="http://schemas.openxmlformats.org/presentationml/2006/main">
+  <p:cSld>
+    <p:spTree>
+      <p:nvGrpSpPr>
+        <p:cNvPr id="1" name=""/>
+        <p:cNvGrpSpPr/>
+        <p:nvPr/>
+      </p:nvGrpSpPr>
+      <p:grpSpPr>
+        <a:xfrm>
+          <a:off x="0" y="0"/>
+          <a:ext cx="0" cy="0"/>
+          <a:chOff x="0" y="0"/>
+          <a:chExt cx="0" cy="0"/>
+        </a:xfrm>
+      </p:grpSpPr>
+      <p:sp>
+        <p:nvSpPr>
+          <p:cNvPr id="2" name="幻灯片图像占位符 1"/>
+          <p:cNvSpPr>
+            <a:spLocks noGrp="1" noRot="1" noChangeAspect="1"/>
+          </p:cNvSpPr>
+          <p:nvPr>
+            <p:ph type="sldImg"/>
+          </p:nvPr>
+        </p:nvSpPr>
+        <p:spPr/>
+      </p:sp>
+      <p:sp>
+        <p:nvSpPr>
+          <p:cNvPr id="3" name="备注占位符 2"/>
+          <p:cNvSpPr>
+            <a:spLocks noGrp="1"/>
+          </p:cNvSpPr>
+          <p:nvPr>
+            <p:ph type="body" idx="1"/>
+          </p:nvPr>
+        </p:nvSpPr>
+        <p:spPr/>
+        <p:txBody>
+          <a:bodyPr rtlCol="0"/>
+          <a:lstStyle/>
+          <a:p>
+            <a:pPr rtl="0"/>
+            <a:endParaRPr lang="zh-CN" altLang="en-US" dirty="0">
+              <a:latin typeface="Microsoft YaHei UI" panose="020B0503020204020204" pitchFamily="34" charset="-122"/>
+              <a:ea typeface="Microsoft YaHei UI" panose="020B0503020204020204" pitchFamily="34" charset="-122"/>
+            </a:endParaRPr>
+          </a:p>
+        </p:txBody>
+      </p:sp>
+      <p:sp>
+        <p:nvSpPr>
+          <p:cNvPr id="4" name="幻灯片编号占位符 3"/>
+          <p:cNvSpPr>
+            <a:spLocks noGrp="1"/>
+          </p:cNvSpPr>
+          <p:nvPr>
+            <p:ph type="sldNum" sz="quarter" idx="10"/>
+          </p:nvPr>
+        </p:nvSpPr>
+        <p:spPr/>
+        <p:txBody>
+          <a:bodyPr rtlCol="0"/>
+          <a:lstStyle/>
+          <a:p>
+            <a:pPr rtl="0"/>
+            <a:fld id="{4B725628-3A68-42F4-BA86-981817953149}" type="slidenum">
+              <a:rPr lang="en-US" altLang="zh-CN" smtClean="0">
+                <a:latin typeface="Microsoft YaHei UI" panose="020B0503020204020204" pitchFamily="34" charset="-122"/>
+                <a:ea typeface="Microsoft YaHei UI" panose="020B0503020204020204" pitchFamily="34" charset="-122"/>
+              </a:rPr>
+              <a:t>9</a:t>
+            </a:fld>
+            <a:endParaRPr lang="zh-CN" altLang="en-US" dirty="0">
+              <a:latin typeface="Microsoft YaHei UI" panose="020B0503020204020204" pitchFamily="34" charset="-122"/>
+              <a:ea typeface="Microsoft YaHei UI" panose="020B0503020204020204" pitchFamily="34" charset="-122"/>
+            </a:endParaRPr>
+          </a:p>
+        </p:txBody>
+      </p:sp>
+    </p:spTree>
+    <p:extLst>
+      <p:ext uri="{BB962C8B-B14F-4D97-AF65-F5344CB8AC3E}">
+        <p14:creationId xmlns:p14="http://schemas.microsoft.com/office/powerpoint/2010/main" val="4293574316"/>
+      </p:ext>
+    </p:extLst>
+  </p:cSld>
+  <p:clrMapOvr>
+    <a:masterClrMapping/>
+  </p:clrMapOvr>
+</p:notes>
+</file>
+
 <file path=ppt/slideLayouts/slideLayout1.xml><?xml version="1.0" encoding="utf-8"?>
 <p:sldLayout xmlns:a="http://schemas.openxmlformats.org/drawingml/2006/main" xmlns:r="http://schemas.openxmlformats.org/officeDocument/2006/relationships" xmlns:p="http://schemas.openxmlformats.org/presentationml/2006/main" showMasterSp="0" type="title" preserve="1">
   <p:cSld name="标题幻灯片">
@@ -12801,7 +12998,7 @@
           <a:p>
             <a:pPr rtl="0"/>
             <a:r>
-              <a:rPr lang="zh-CN" altLang="en-US" noProof="0" smtClean="0"/>
+              <a:rPr lang="zh-CN" altLang="en-US" noProof="0"/>
               <a:t>单击此处编辑母版标题样式</a:t>
             </a:r>
             <a:endParaRPr lang="zh-CN" altLang="en-US" noProof="0" dirty="0"/>
@@ -12882,7 +13079,7 @@
           <a:p>
             <a:pPr rtl="0"/>
             <a:r>
-              <a:rPr lang="zh-CN" altLang="en-US" noProof="0" smtClean="0"/>
+              <a:rPr lang="zh-CN" altLang="en-US" noProof="0"/>
               <a:t>单击以编辑母版副标题样式</a:t>
             </a:r>
             <a:endParaRPr lang="zh-CN" altLang="en-US" noProof="0" dirty="0"/>
@@ -12911,7 +13108,7 @@
             <a:fld id="{CFDCE838-61FF-4427-8D5E-B539F46A3E2E}" type="datetime1">
               <a:rPr lang="zh-CN" altLang="en-US" smtClean="0"/>
               <a:pPr/>
-              <a:t>2022/3/22</a:t>
+              <a:t>2022/4/8</a:t>
             </a:fld>
             <a:endParaRPr lang="zh-CN" altLang="en-US" dirty="0"/>
           </a:p>
@@ -13040,7 +13237,7 @@
           <a:p>
             <a:pPr rtl="0"/>
             <a:r>
-              <a:rPr lang="zh-CN" altLang="en-US" noProof="0" smtClean="0"/>
+              <a:rPr lang="zh-CN" altLang="en-US" noProof="0"/>
               <a:t>单击此处编辑母版标题样式</a:t>
             </a:r>
             <a:endParaRPr lang="zh-CN" altLang="en-US" noProof="0" dirty="0"/>
@@ -13064,35 +13261,35 @@
           <a:p>
             <a:pPr lvl="0" rtl="0"/>
             <a:r>
-              <a:rPr lang="zh-CN" altLang="en-US" noProof="0" smtClean="0"/>
+              <a:rPr lang="zh-CN" altLang="en-US" noProof="0"/>
               <a:t>编辑母版文本样式</a:t>
             </a:r>
           </a:p>
           <a:p>
             <a:pPr lvl="1" rtl="0"/>
             <a:r>
-              <a:rPr lang="zh-CN" altLang="en-US" noProof="0" smtClean="0"/>
+              <a:rPr lang="zh-CN" altLang="en-US" noProof="0"/>
               <a:t>第二级</a:t>
             </a:r>
           </a:p>
           <a:p>
             <a:pPr lvl="2" rtl="0"/>
             <a:r>
-              <a:rPr lang="zh-CN" altLang="en-US" noProof="0" smtClean="0"/>
+              <a:rPr lang="zh-CN" altLang="en-US" noProof="0"/>
               <a:t>第三级</a:t>
             </a:r>
           </a:p>
           <a:p>
             <a:pPr lvl="3" rtl="0"/>
             <a:r>
-              <a:rPr lang="zh-CN" altLang="en-US" noProof="0" smtClean="0"/>
+              <a:rPr lang="zh-CN" altLang="en-US" noProof="0"/>
               <a:t>第四级</a:t>
             </a:r>
           </a:p>
           <a:p>
             <a:pPr lvl="4" rtl="0"/>
             <a:r>
-              <a:rPr lang="zh-CN" altLang="en-US" noProof="0" smtClean="0"/>
+              <a:rPr lang="zh-CN" altLang="en-US" noProof="0"/>
               <a:t>第五级</a:t>
             </a:r>
             <a:endParaRPr lang="zh-CN" altLang="en-US" noProof="0" dirty="0"/>
@@ -13121,7 +13318,7 @@
             <a:fld id="{5FECC429-F404-46B9-831C-5739463A7C5F}" type="datetime1">
               <a:rPr lang="zh-CN" altLang="en-US" smtClean="0"/>
               <a:pPr/>
-              <a:t>2022/3/22</a:t>
+              <a:t>2022/4/8</a:t>
             </a:fld>
             <a:endParaRPr lang="zh-CN" altLang="en-US" dirty="0"/>
           </a:p>
@@ -13218,7 +13415,7 @@
           <a:p>
             <a:pPr rtl="0"/>
             <a:r>
-              <a:rPr lang="zh-CN" altLang="en-US" noProof="0" smtClean="0"/>
+              <a:rPr lang="zh-CN" altLang="en-US" noProof="0"/>
               <a:t>单击此处编辑母版标题样式</a:t>
             </a:r>
             <a:endParaRPr lang="zh-CN" altLang="en-US" noProof="0" dirty="0"/>
@@ -13247,35 +13444,35 @@
           <a:p>
             <a:pPr lvl="0" rtl="0"/>
             <a:r>
-              <a:rPr lang="zh-CN" altLang="en-US" noProof="0" smtClean="0"/>
+              <a:rPr lang="zh-CN" altLang="en-US" noProof="0"/>
               <a:t>编辑母版文本样式</a:t>
             </a:r>
           </a:p>
           <a:p>
             <a:pPr lvl="1" rtl="0"/>
             <a:r>
-              <a:rPr lang="zh-CN" altLang="en-US" noProof="0" smtClean="0"/>
+              <a:rPr lang="zh-CN" altLang="en-US" noProof="0"/>
               <a:t>第二级</a:t>
             </a:r>
           </a:p>
           <a:p>
             <a:pPr lvl="2" rtl="0"/>
             <a:r>
-              <a:rPr lang="zh-CN" altLang="en-US" noProof="0" smtClean="0"/>
+              <a:rPr lang="zh-CN" altLang="en-US" noProof="0"/>
               <a:t>第三级</a:t>
             </a:r>
           </a:p>
           <a:p>
             <a:pPr lvl="3" rtl="0"/>
             <a:r>
-              <a:rPr lang="zh-CN" altLang="en-US" noProof="0" smtClean="0"/>
+              <a:rPr lang="zh-CN" altLang="en-US" noProof="0"/>
               <a:t>第四级</a:t>
             </a:r>
           </a:p>
           <a:p>
             <a:pPr lvl="4" rtl="0"/>
             <a:r>
-              <a:rPr lang="zh-CN" altLang="en-US" noProof="0" smtClean="0"/>
+              <a:rPr lang="zh-CN" altLang="en-US" noProof="0"/>
               <a:t>第五级</a:t>
             </a:r>
             <a:endParaRPr lang="zh-CN" altLang="en-US" noProof="0" dirty="0"/>
@@ -13304,7 +13501,7 @@
             <a:fld id="{0A46D3E3-3D6A-4243-B027-BC771AD4E1BC}" type="datetime1">
               <a:rPr lang="zh-CN" altLang="en-US" smtClean="0"/>
               <a:pPr/>
-              <a:t>2022/3/22</a:t>
+              <a:t>2022/4/8</a:t>
             </a:fld>
             <a:endParaRPr lang="zh-CN" altLang="en-US" dirty="0"/>
           </a:p>
@@ -13431,7 +13628,7 @@
           <a:p>
             <a:pPr rtl="0"/>
             <a:r>
-              <a:rPr lang="zh-CN" altLang="en-US" noProof="0" smtClean="0"/>
+              <a:rPr lang="zh-CN" altLang="en-US" noProof="0"/>
               <a:t>单击此处编辑母版标题样式</a:t>
             </a:r>
             <a:endParaRPr lang="zh-CN" altLang="en-US" noProof="0" dirty="0"/>
@@ -13455,35 +13652,35 @@
           <a:p>
             <a:pPr lvl="0" rtl="0"/>
             <a:r>
-              <a:rPr lang="zh-CN" altLang="en-US" noProof="0" smtClean="0"/>
+              <a:rPr lang="zh-CN" altLang="en-US" noProof="0"/>
               <a:t>编辑母版文本样式</a:t>
             </a:r>
           </a:p>
           <a:p>
             <a:pPr lvl="1" rtl="0"/>
             <a:r>
-              <a:rPr lang="zh-CN" altLang="en-US" noProof="0" smtClean="0"/>
+              <a:rPr lang="zh-CN" altLang="en-US" noProof="0"/>
               <a:t>第二级</a:t>
             </a:r>
           </a:p>
           <a:p>
             <a:pPr lvl="2" rtl="0"/>
             <a:r>
-              <a:rPr lang="zh-CN" altLang="en-US" noProof="0" smtClean="0"/>
+              <a:rPr lang="zh-CN" altLang="en-US" noProof="0"/>
               <a:t>第三级</a:t>
             </a:r>
           </a:p>
           <a:p>
             <a:pPr lvl="3" rtl="0"/>
             <a:r>
-              <a:rPr lang="zh-CN" altLang="en-US" noProof="0" smtClean="0"/>
+              <a:rPr lang="zh-CN" altLang="en-US" noProof="0"/>
               <a:t>第四级</a:t>
             </a:r>
           </a:p>
           <a:p>
             <a:pPr lvl="4" rtl="0"/>
             <a:r>
-              <a:rPr lang="zh-CN" altLang="en-US" noProof="0" smtClean="0"/>
+              <a:rPr lang="zh-CN" altLang="en-US" noProof="0"/>
               <a:t>第五级</a:t>
             </a:r>
             <a:endParaRPr lang="zh-CN" altLang="en-US" noProof="0" dirty="0"/>
@@ -13512,7 +13709,7 @@
             <a:fld id="{1DF37EDC-76D2-4347-9B2E-FDFCA3EE6FFD}" type="datetime1">
               <a:rPr lang="zh-CN" altLang="en-US" smtClean="0"/>
               <a:pPr/>
-              <a:t>2022/3/22</a:t>
+              <a:t>2022/4/8</a:t>
             </a:fld>
             <a:endParaRPr lang="zh-CN" altLang="en-US" dirty="0"/>
           </a:p>
@@ -22256,7 +22453,7 @@
           <a:p>
             <a:pPr rtl="0"/>
             <a:r>
-              <a:rPr lang="zh-CN" altLang="en-US" noProof="0" smtClean="0"/>
+              <a:rPr lang="zh-CN" altLang="en-US" noProof="0"/>
               <a:t>单击此处编辑母版标题样式</a:t>
             </a:r>
             <a:endParaRPr lang="zh-CN" altLang="en-US" noProof="0" dirty="0"/>
@@ -22385,7 +22582,7 @@
           <a:p>
             <a:pPr lvl="0" rtl="0"/>
             <a:r>
-              <a:rPr lang="zh-CN" altLang="en-US" noProof="0" smtClean="0"/>
+              <a:rPr lang="zh-CN" altLang="en-US" noProof="0"/>
               <a:t>编辑母版文本样式</a:t>
             </a:r>
           </a:p>
@@ -22413,7 +22610,7 @@
             <a:fld id="{D898D43E-598C-470D-A0B0-0CC259052850}" type="datetime1">
               <a:rPr lang="zh-CN" altLang="en-US" smtClean="0"/>
               <a:pPr/>
-              <a:t>2022/3/22</a:t>
+              <a:t>2022/4/8</a:t>
             </a:fld>
             <a:endParaRPr lang="zh-CN" altLang="en-US" dirty="0"/>
           </a:p>
@@ -22547,7 +22744,7 @@
           <a:p>
             <a:pPr rtl="0"/>
             <a:r>
-              <a:rPr lang="zh-CN" altLang="en-US" noProof="0" smtClean="0"/>
+              <a:rPr lang="zh-CN" altLang="en-US" noProof="0"/>
               <a:t>单击此处编辑母版标题样式</a:t>
             </a:r>
             <a:endParaRPr lang="zh-CN" altLang="en-US" noProof="0" dirty="0"/>
@@ -22576,35 +22773,35 @@
           <a:p>
             <a:pPr lvl="0" rtl="0"/>
             <a:r>
-              <a:rPr lang="zh-CN" altLang="en-US" noProof="0" smtClean="0"/>
+              <a:rPr lang="zh-CN" altLang="en-US" noProof="0"/>
               <a:t>编辑母版文本样式</a:t>
             </a:r>
           </a:p>
           <a:p>
             <a:pPr lvl="1" rtl="0"/>
             <a:r>
-              <a:rPr lang="zh-CN" altLang="en-US" noProof="0" smtClean="0"/>
+              <a:rPr lang="zh-CN" altLang="en-US" noProof="0"/>
               <a:t>第二级</a:t>
             </a:r>
           </a:p>
           <a:p>
             <a:pPr lvl="2" rtl="0"/>
             <a:r>
-              <a:rPr lang="zh-CN" altLang="en-US" noProof="0" smtClean="0"/>
+              <a:rPr lang="zh-CN" altLang="en-US" noProof="0"/>
               <a:t>第三级</a:t>
             </a:r>
           </a:p>
           <a:p>
             <a:pPr lvl="3" rtl="0"/>
             <a:r>
-              <a:rPr lang="zh-CN" altLang="en-US" noProof="0" smtClean="0"/>
+              <a:rPr lang="zh-CN" altLang="en-US" noProof="0"/>
               <a:t>第四级</a:t>
             </a:r>
           </a:p>
           <a:p>
             <a:pPr lvl="4" rtl="0"/>
             <a:r>
-              <a:rPr lang="zh-CN" altLang="en-US" noProof="0" smtClean="0"/>
+              <a:rPr lang="zh-CN" altLang="en-US" noProof="0"/>
               <a:t>第五级</a:t>
             </a:r>
             <a:endParaRPr lang="zh-CN" altLang="en-US" noProof="0" dirty="0"/>
@@ -22633,35 +22830,35 @@
           <a:p>
             <a:pPr lvl="0" rtl="0"/>
             <a:r>
-              <a:rPr lang="zh-CN" altLang="en-US" noProof="0" smtClean="0"/>
+              <a:rPr lang="zh-CN" altLang="en-US" noProof="0"/>
               <a:t>编辑母版文本样式</a:t>
             </a:r>
           </a:p>
           <a:p>
             <a:pPr lvl="1" rtl="0"/>
             <a:r>
-              <a:rPr lang="zh-CN" altLang="en-US" noProof="0" smtClean="0"/>
+              <a:rPr lang="zh-CN" altLang="en-US" noProof="0"/>
               <a:t>第二级</a:t>
             </a:r>
           </a:p>
           <a:p>
             <a:pPr lvl="2" rtl="0"/>
             <a:r>
-              <a:rPr lang="zh-CN" altLang="en-US" noProof="0" smtClean="0"/>
+              <a:rPr lang="zh-CN" altLang="en-US" noProof="0"/>
               <a:t>第三级</a:t>
             </a:r>
           </a:p>
           <a:p>
             <a:pPr lvl="3" rtl="0"/>
             <a:r>
-              <a:rPr lang="zh-CN" altLang="en-US" noProof="0" smtClean="0"/>
+              <a:rPr lang="zh-CN" altLang="en-US" noProof="0"/>
               <a:t>第四级</a:t>
             </a:r>
           </a:p>
           <a:p>
             <a:pPr lvl="4" rtl="0"/>
             <a:r>
-              <a:rPr lang="zh-CN" altLang="en-US" noProof="0" smtClean="0"/>
+              <a:rPr lang="zh-CN" altLang="en-US" noProof="0"/>
               <a:t>第五级</a:t>
             </a:r>
             <a:endParaRPr lang="zh-CN" altLang="en-US" noProof="0" dirty="0"/>
@@ -22690,7 +22887,7 @@
             <a:fld id="{8F3AB81A-738D-4D93-B356-2E61115064D5}" type="datetime1">
               <a:rPr lang="zh-CN" altLang="en-US" smtClean="0"/>
               <a:pPr/>
-              <a:t>2022/3/22</a:t>
+              <a:t>2022/4/8</a:t>
             </a:fld>
             <a:endParaRPr lang="zh-CN" altLang="en-US" dirty="0"/>
           </a:p>
@@ -22782,7 +22979,7 @@
           <a:p>
             <a:pPr rtl="0"/>
             <a:r>
-              <a:rPr lang="zh-CN" altLang="en-US" noProof="0" smtClean="0"/>
+              <a:rPr lang="zh-CN" altLang="en-US" noProof="0"/>
               <a:t>单击此处编辑母版标题样式</a:t>
             </a:r>
             <a:endParaRPr lang="zh-CN" altLang="en-US" noProof="0" dirty="0"/>
@@ -22861,7 +23058,7 @@
           <a:p>
             <a:pPr lvl="0" rtl="0"/>
             <a:r>
-              <a:rPr lang="zh-CN" altLang="en-US" noProof="0" smtClean="0"/>
+              <a:rPr lang="zh-CN" altLang="en-US" noProof="0"/>
               <a:t>编辑母版文本样式</a:t>
             </a:r>
           </a:p>
@@ -22889,35 +23086,35 @@
           <a:p>
             <a:pPr lvl="0" rtl="0"/>
             <a:r>
-              <a:rPr lang="zh-CN" altLang="en-US" noProof="0" smtClean="0"/>
+              <a:rPr lang="zh-CN" altLang="en-US" noProof="0"/>
               <a:t>编辑母版文本样式</a:t>
             </a:r>
           </a:p>
           <a:p>
             <a:pPr lvl="1" rtl="0"/>
             <a:r>
-              <a:rPr lang="zh-CN" altLang="en-US" noProof="0" smtClean="0"/>
+              <a:rPr lang="zh-CN" altLang="en-US" noProof="0"/>
               <a:t>第二级</a:t>
             </a:r>
           </a:p>
           <a:p>
             <a:pPr lvl="2" rtl="0"/>
             <a:r>
-              <a:rPr lang="zh-CN" altLang="en-US" noProof="0" smtClean="0"/>
+              <a:rPr lang="zh-CN" altLang="en-US" noProof="0"/>
               <a:t>第三级</a:t>
             </a:r>
           </a:p>
           <a:p>
             <a:pPr lvl="3" rtl="0"/>
             <a:r>
-              <a:rPr lang="zh-CN" altLang="en-US" noProof="0" smtClean="0"/>
+              <a:rPr lang="zh-CN" altLang="en-US" noProof="0"/>
               <a:t>第四级</a:t>
             </a:r>
           </a:p>
           <a:p>
             <a:pPr lvl="4" rtl="0"/>
             <a:r>
-              <a:rPr lang="zh-CN" altLang="en-US" noProof="0" smtClean="0"/>
+              <a:rPr lang="zh-CN" altLang="en-US" noProof="0"/>
               <a:t>第五级</a:t>
             </a:r>
             <a:endParaRPr lang="zh-CN" altLang="en-US" noProof="0" dirty="0"/>
@@ -23006,7 +23203,7 @@
               <a:buNone/>
             </a:pPr>
             <a:r>
-              <a:rPr lang="zh-CN" altLang="en-US" noProof="0" smtClean="0"/>
+              <a:rPr lang="zh-CN" altLang="en-US" noProof="0"/>
               <a:t>编辑母版文本样式</a:t>
             </a:r>
           </a:p>
@@ -23034,35 +23231,35 @@
           <a:p>
             <a:pPr lvl="0" rtl="0"/>
             <a:r>
-              <a:rPr lang="zh-CN" altLang="en-US" noProof="0" smtClean="0"/>
+              <a:rPr lang="zh-CN" altLang="en-US" noProof="0"/>
               <a:t>编辑母版文本样式</a:t>
             </a:r>
           </a:p>
           <a:p>
             <a:pPr lvl="1" rtl="0"/>
             <a:r>
-              <a:rPr lang="zh-CN" altLang="en-US" noProof="0" smtClean="0"/>
+              <a:rPr lang="zh-CN" altLang="en-US" noProof="0"/>
               <a:t>第二级</a:t>
             </a:r>
           </a:p>
           <a:p>
             <a:pPr lvl="2" rtl="0"/>
             <a:r>
-              <a:rPr lang="zh-CN" altLang="en-US" noProof="0" smtClean="0"/>
+              <a:rPr lang="zh-CN" altLang="en-US" noProof="0"/>
               <a:t>第三级</a:t>
             </a:r>
           </a:p>
           <a:p>
             <a:pPr lvl="3" rtl="0"/>
             <a:r>
-              <a:rPr lang="zh-CN" altLang="en-US" noProof="0" smtClean="0"/>
+              <a:rPr lang="zh-CN" altLang="en-US" noProof="0"/>
               <a:t>第四级</a:t>
             </a:r>
           </a:p>
           <a:p>
             <a:pPr lvl="4" rtl="0"/>
             <a:r>
-              <a:rPr lang="zh-CN" altLang="en-US" noProof="0" smtClean="0"/>
+              <a:rPr lang="zh-CN" altLang="en-US" noProof="0"/>
               <a:t>第五级</a:t>
             </a:r>
             <a:endParaRPr lang="zh-CN" altLang="en-US" noProof="0" dirty="0"/>
@@ -23091,7 +23288,7 @@
             <a:fld id="{56B9EECF-3901-48EF-97E4-996676A9B35D}" type="datetime1">
               <a:rPr lang="zh-CN" altLang="en-US" smtClean="0"/>
               <a:pPr/>
-              <a:t>2022/3/22</a:t>
+              <a:t>2022/4/8</a:t>
             </a:fld>
             <a:endParaRPr lang="zh-CN" altLang="en-US" dirty="0"/>
           </a:p>
@@ -23183,7 +23380,7 @@
           <a:p>
             <a:pPr rtl="0"/>
             <a:r>
-              <a:rPr lang="zh-CN" altLang="en-US" noProof="0" smtClean="0"/>
+              <a:rPr lang="zh-CN" altLang="en-US" noProof="0"/>
               <a:t>单击此处编辑母版标题样式</a:t>
             </a:r>
             <a:endParaRPr lang="zh-CN" altLang="en-US" noProof="0" dirty="0"/>
@@ -23212,7 +23409,7 @@
             <a:fld id="{44BE058F-D340-43DA-A96B-105C64DCFDB9}" type="datetime1">
               <a:rPr lang="zh-CN" altLang="en-US" smtClean="0"/>
               <a:pPr/>
-              <a:t>2022/3/22</a:t>
+              <a:t>2022/4/8</a:t>
             </a:fld>
             <a:endParaRPr lang="zh-CN" altLang="en-US" dirty="0"/>
           </a:p>
@@ -23309,7 +23506,7 @@
             <a:fld id="{88CBA0CD-516B-402D-98B7-7C2E92C48ECD}" type="datetime1">
               <a:rPr lang="zh-CN" altLang="en-US" smtClean="0"/>
               <a:pPr/>
-              <a:t>2022/3/22</a:t>
+              <a:t>2022/4/8</a:t>
             </a:fld>
             <a:endParaRPr lang="zh-CN" altLang="en-US" dirty="0"/>
           </a:p>
@@ -23415,7 +23612,7 @@
           <a:p>
             <a:pPr rtl="0"/>
             <a:r>
-              <a:rPr lang="zh-CN" altLang="en-US" noProof="0" smtClean="0"/>
+              <a:rPr lang="zh-CN" altLang="en-US" noProof="0"/>
               <a:t>单击此处编辑母版标题样式</a:t>
             </a:r>
             <a:endParaRPr lang="zh-CN" altLang="en-US" noProof="0" dirty="0"/>
@@ -23472,35 +23669,35 @@
           <a:p>
             <a:pPr lvl="0" rtl="0"/>
             <a:r>
-              <a:rPr lang="zh-CN" altLang="en-US" noProof="0" smtClean="0"/>
+              <a:rPr lang="zh-CN" altLang="en-US" noProof="0"/>
               <a:t>编辑母版文本样式</a:t>
             </a:r>
           </a:p>
           <a:p>
             <a:pPr lvl="1" rtl="0"/>
             <a:r>
-              <a:rPr lang="zh-CN" altLang="en-US" noProof="0" smtClean="0"/>
+              <a:rPr lang="zh-CN" altLang="en-US" noProof="0"/>
               <a:t>第二级</a:t>
             </a:r>
           </a:p>
           <a:p>
             <a:pPr lvl="2" rtl="0"/>
             <a:r>
-              <a:rPr lang="zh-CN" altLang="en-US" noProof="0" smtClean="0"/>
+              <a:rPr lang="zh-CN" altLang="en-US" noProof="0"/>
               <a:t>第三级</a:t>
             </a:r>
           </a:p>
           <a:p>
             <a:pPr lvl="3" rtl="0"/>
             <a:r>
-              <a:rPr lang="zh-CN" altLang="en-US" noProof="0" smtClean="0"/>
+              <a:rPr lang="zh-CN" altLang="en-US" noProof="0"/>
               <a:t>第四级</a:t>
             </a:r>
           </a:p>
           <a:p>
             <a:pPr lvl="4" rtl="0"/>
             <a:r>
-              <a:rPr lang="zh-CN" altLang="en-US" noProof="0" smtClean="0"/>
+              <a:rPr lang="zh-CN" altLang="en-US" noProof="0"/>
               <a:t>第五级</a:t>
             </a:r>
             <a:endParaRPr lang="zh-CN" altLang="en-US" noProof="0" dirty="0"/>
@@ -23574,7 +23771,7 @@
           <a:p>
             <a:pPr lvl="0" rtl="0"/>
             <a:r>
-              <a:rPr lang="zh-CN" altLang="en-US" noProof="0" smtClean="0"/>
+              <a:rPr lang="zh-CN" altLang="en-US" noProof="0"/>
               <a:t>编辑母版文本样式</a:t>
             </a:r>
           </a:p>
@@ -23602,7 +23799,7 @@
             <a:fld id="{DC24FBB4-ED5D-45D4-B793-03DC4D31C84D}" type="datetime1">
               <a:rPr lang="zh-CN" altLang="en-US" smtClean="0"/>
               <a:pPr/>
-              <a:t>2022/3/22</a:t>
+              <a:t>2022/4/8</a:t>
             </a:fld>
             <a:endParaRPr lang="zh-CN" altLang="en-US" dirty="0"/>
           </a:p>
@@ -23705,7 +23902,7 @@
           <a:p>
             <a:pPr rtl="0"/>
             <a:r>
-              <a:rPr lang="zh-CN" altLang="en-US" noProof="0" smtClean="0"/>
+              <a:rPr lang="zh-CN" altLang="en-US" noProof="0"/>
               <a:t>单击此处编辑母版标题样式</a:t>
             </a:r>
             <a:endParaRPr lang="zh-CN" altLang="en-US" noProof="0" dirty="0"/>
@@ -23777,7 +23974,7 @@
           <a:p>
             <a:pPr rtl="0"/>
             <a:r>
-              <a:rPr lang="zh-CN" altLang="en-US" noProof="0" smtClean="0"/>
+              <a:rPr lang="zh-CN" altLang="en-US" noProof="0"/>
               <a:t>单击图标添加图片</a:t>
             </a:r>
             <a:endParaRPr lang="zh-CN" altLang="en-US" noProof="0" dirty="0"/>
@@ -23858,7 +24055,7 @@
           <a:p>
             <a:pPr lvl="0" rtl="0"/>
             <a:r>
-              <a:rPr lang="zh-CN" altLang="en-US" noProof="0" smtClean="0"/>
+              <a:rPr lang="zh-CN" altLang="en-US" noProof="0"/>
               <a:t>编辑母版文本样式</a:t>
             </a:r>
           </a:p>
@@ -23886,7 +24083,7 @@
             <a:fld id="{19CFE0BF-9F8B-43D7-ABDE-1F2A229BF7D3}" type="datetime1">
               <a:rPr lang="zh-CN" altLang="en-US" smtClean="0"/>
               <a:pPr/>
-              <a:t>2022/3/22</a:t>
+              <a:t>2022/4/8</a:t>
             </a:fld>
             <a:endParaRPr lang="zh-CN" altLang="en-US" dirty="0"/>
           </a:p>
@@ -24134,7 +24331,7 @@
             <a:fld id="{A9E7AE09-8028-4979-91B9-67A4CC4592AA}" type="datetime1">
               <a:rPr lang="zh-CN" altLang="en-US" smtClean="0"/>
               <a:pPr/>
-              <a:t>2022/3/22</a:t>
+              <a:t>2022/4/8</a:t>
             </a:fld>
             <a:endParaRPr lang="zh-CN" altLang="en-US" dirty="0"/>
           </a:p>
@@ -24651,7 +24848,7 @@
                 <a16:creationId xmlns:a16="http://schemas.microsoft.com/office/drawing/2014/main" id="{2FDF0794-1B86-42B2-B8C7-F60123E638ED}"/>
               </a:ext>
               <a:ext uri="{C183D7F6-B498-43B3-948B-1728B52AA6E4}">
-                <adec:decorative xmlns:adec="http://schemas.microsoft.com/office/drawing/2017/decorative" xmlns="" val="1"/>
+                <adec:decorative xmlns:adec="http://schemas.microsoft.com/office/drawing/2017/decorative" val="1"/>
               </a:ext>
             </a:extLst>
           </p:cNvPr>
@@ -24717,7 +24914,7 @@
                 <a16:creationId xmlns:a16="http://schemas.microsoft.com/office/drawing/2014/main" id="{230BD1B1-AA22-48F1-B3ED-579CD284605D}"/>
               </a:ext>
               <a:ext uri="{C183D7F6-B498-43B3-948B-1728B52AA6E4}">
-                <adec:decorative xmlns:adec="http://schemas.microsoft.com/office/drawing/2017/decorative" xmlns="" val="1"/>
+                <adec:decorative xmlns:adec="http://schemas.microsoft.com/office/drawing/2017/decorative" val="1"/>
               </a:ext>
             </a:extLst>
           </p:cNvPr>
@@ -24749,7 +24946,7 @@
                 <a16:creationId xmlns:a16="http://schemas.microsoft.com/office/drawing/2014/main" id="{EAA48FC5-3C83-4F1B-BC33-DF0B588F8317}"/>
               </a:ext>
               <a:ext uri="{C183D7F6-B498-43B3-948B-1728B52AA6E4}">
-                <adec:decorative xmlns:adec="http://schemas.microsoft.com/office/drawing/2017/decorative" xmlns="" val="1"/>
+                <adec:decorative xmlns:adec="http://schemas.microsoft.com/office/drawing/2017/decorative" val="1"/>
               </a:ext>
             </a:extLst>
           </p:cNvPr>
@@ -24837,7 +25034,7 @@
           <a:p>
             <a:pPr algn="l"/>
             <a:r>
-              <a:rPr lang="zh-CN" altLang="en-US" dirty="0" smtClean="0">
+              <a:rPr lang="zh-CN" altLang="en-US" dirty="0">
                 <a:solidFill>
                   <a:srgbClr val="FFFFFF"/>
                 </a:solidFill>
@@ -24845,7 +25042,7 @@
               <a:t>第三方接入搜谷打车</a:t>
             </a:r>
             <a:r>
-              <a:rPr lang="en-US" altLang="zh-CN" dirty="0" smtClean="0">
+              <a:rPr lang="en-US" altLang="zh-CN" dirty="0">
                 <a:solidFill>
                   <a:srgbClr val="FFFFFF"/>
                 </a:solidFill>
@@ -24853,7 +25050,7 @@
               <a:t>-</a:t>
             </a:r>
             <a:r>
-              <a:rPr lang="zh-CN" altLang="en-US" dirty="0" smtClean="0">
+              <a:rPr lang="zh-CN" altLang="en-US" dirty="0">
                 <a:solidFill>
                   <a:srgbClr val="FFFFFF"/>
                 </a:solidFill>
@@ -24900,7 +25097,7 @@
           <a:p>
             <a:pPr rtl="0"/>
             <a:r>
-              <a:rPr lang="en-US" altLang="zh-CN" dirty="0" err="1" smtClean="0">
+              <a:rPr lang="en-US" altLang="zh-CN" dirty="0" err="1">
                 <a:solidFill>
                   <a:srgbClr val="FFFFFF"/>
                 </a:solidFill>
@@ -24910,7 +25107,7 @@
               <a:t>Sougu</a:t>
             </a:r>
             <a:r>
-              <a:rPr lang="en-US" altLang="zh-CN" dirty="0" smtClean="0">
+              <a:rPr lang="en-US" altLang="zh-CN" dirty="0">
                 <a:solidFill>
                   <a:srgbClr val="FFFFFF"/>
                 </a:solidFill>
@@ -24920,7 +25117,7 @@
               <a:t> </a:t>
             </a:r>
             <a:r>
-              <a:rPr lang="en-US" altLang="zh-CN" dirty="0" err="1" smtClean="0">
+              <a:rPr lang="en-US" altLang="zh-CN" dirty="0" err="1">
                 <a:solidFill>
                   <a:srgbClr val="FFFFFF"/>
                 </a:solidFill>
@@ -24930,20 +25127,12 @@
               <a:t>Co</a:t>
             </a:r>
             <a:r>
-              <a:rPr lang="en-US" altLang="zh-CN" dirty="0" err="1" smtClean="0">
+              <a:rPr lang="en-US" altLang="zh-CN" dirty="0" err="1">
                 <a:solidFill>
                   <a:srgbClr val="FFFFFF"/>
                 </a:solidFill>
               </a:rPr>
-              <a:t>.,</a:t>
-            </a:r>
-            <a:r>
-              <a:rPr lang="en-US" altLang="zh-CN" dirty="0" err="1" smtClean="0">
-                <a:solidFill>
-                  <a:srgbClr val="FFFFFF"/>
-                </a:solidFill>
-              </a:rPr>
-              <a:t>Ltd</a:t>
+              <a:t>.,Ltd</a:t>
             </a:r>
             <a:endParaRPr lang="zh-CN" altLang="en-US" dirty="0">
               <a:solidFill>
@@ -24963,7 +25152,7 @@
                 <a16:creationId xmlns:a16="http://schemas.microsoft.com/office/drawing/2014/main" id="{62F01714-1A39-4194-BD47-8A9960C59985}"/>
               </a:ext>
               <a:ext uri="{C183D7F6-B498-43B3-948B-1728B52AA6E4}">
-                <adec:decorative xmlns:adec="http://schemas.microsoft.com/office/drawing/2017/decorative" xmlns="" val="1"/>
+                <adec:decorative xmlns:adec="http://schemas.microsoft.com/office/drawing/2017/decorative" val="1"/>
               </a:ext>
             </a:extLst>
           </p:cNvPr>
@@ -25011,6 +25200,1039 @@
     <p:extLst>
       <p:ext uri="{BB962C8B-B14F-4D97-AF65-F5344CB8AC3E}">
         <p14:creationId xmlns:p14="http://schemas.microsoft.com/office/powerpoint/2010/main" val="2806257027"/>
+      </p:ext>
+    </p:extLst>
+  </p:cSld>
+  <p:clrMapOvr>
+    <a:masterClrMapping/>
+  </p:clrMapOvr>
+</p:sld>
+</file>
+
+<file path=ppt/slides/slide10.xml><?xml version="1.0" encoding="utf-8"?>
+<p:sld xmlns:a="http://schemas.openxmlformats.org/drawingml/2006/main" xmlns:r="http://schemas.openxmlformats.org/officeDocument/2006/relationships" xmlns:p="http://schemas.openxmlformats.org/presentationml/2006/main">
+  <p:cSld>
+    <p:spTree>
+      <p:nvGrpSpPr>
+        <p:cNvPr id="1" name=""/>
+        <p:cNvGrpSpPr/>
+        <p:nvPr/>
+      </p:nvGrpSpPr>
+      <p:grpSpPr>
+        <a:xfrm>
+          <a:off x="0" y="0"/>
+          <a:ext cx="0" cy="0"/>
+          <a:chOff x="0" y="0"/>
+          <a:chExt cx="0" cy="0"/>
+        </a:xfrm>
+      </p:grpSpPr>
+      <p:sp>
+        <p:nvSpPr>
+          <p:cNvPr id="2" name="标题 1">
+            <a:extLst>
+              <a:ext uri="{FF2B5EF4-FFF2-40B4-BE49-F238E27FC236}">
+                <a16:creationId xmlns:a16="http://schemas.microsoft.com/office/drawing/2014/main" id="{7A4919D0-F177-4BBA-9A0B-DBA69E2ED764}"/>
+              </a:ext>
+            </a:extLst>
+          </p:cNvPr>
+          <p:cNvSpPr>
+            <a:spLocks noGrp="1"/>
+          </p:cNvSpPr>
+          <p:nvPr>
+            <p:ph type="title"/>
+          </p:nvPr>
+        </p:nvSpPr>
+        <p:spPr>
+          <a:xfrm>
+            <a:off x="1024128" y="585216"/>
+            <a:ext cx="9720072" cy="1499616"/>
+          </a:xfrm>
+        </p:spPr>
+        <p:txBody>
+          <a:bodyPr rtlCol="0">
+            <a:normAutofit/>
+          </a:bodyPr>
+          <a:lstStyle/>
+          <a:p>
+            <a:r>
+              <a:rPr lang="zh-CN" altLang="en-US" dirty="0"/>
+              <a:t>整体业务</a:t>
+            </a:r>
+            <a:r>
+              <a:rPr lang="en-US" altLang="zh-CN" dirty="0"/>
+              <a:t>-</a:t>
+            </a:r>
+            <a:r>
+              <a:rPr lang="zh-CN" altLang="en-US" dirty="0"/>
+              <a:t>植入点</a:t>
+            </a:r>
+            <a:endParaRPr lang="en-US" altLang="zh-CN" dirty="0">
+              <a:latin typeface="Microsoft YaHei UI" panose="020B0503020204020204" pitchFamily="34" charset="-122"/>
+              <a:ea typeface="Microsoft YaHei UI" panose="020B0503020204020204" pitchFamily="34" charset="-122"/>
+            </a:endParaRPr>
+          </a:p>
+        </p:txBody>
+      </p:sp>
+      <p:pic>
+        <p:nvPicPr>
+          <p:cNvPr id="4" name="图片 3"/>
+          <p:cNvPicPr>
+            <a:picLocks noChangeAspect="1"/>
+          </p:cNvPicPr>
+          <p:nvPr/>
+        </p:nvPicPr>
+        <p:blipFill>
+          <a:blip r:embed="rId3">
+            <a:extLst>
+              <a:ext uri="{28A0092B-C50C-407E-A947-70E740481C1C}">
+                <a14:useLocalDpi xmlns:a14="http://schemas.microsoft.com/office/drawing/2010/main" val="0"/>
+              </a:ext>
+            </a:extLst>
+          </a:blip>
+          <a:stretch>
+            <a:fillRect/>
+          </a:stretch>
+        </p:blipFill>
+        <p:spPr>
+          <a:xfrm>
+            <a:off x="962378" y="2014724"/>
+            <a:ext cx="1909446" cy="3412849"/>
+          </a:xfrm>
+          <a:prstGeom prst="rect">
+            <a:avLst/>
+          </a:prstGeom>
+        </p:spPr>
+      </p:pic>
+      <p:pic>
+        <p:nvPicPr>
+          <p:cNvPr id="3" name="图片 2"/>
+          <p:cNvPicPr>
+            <a:picLocks noChangeAspect="1"/>
+          </p:cNvPicPr>
+          <p:nvPr/>
+        </p:nvPicPr>
+        <p:blipFill>
+          <a:blip r:embed="rId4">
+            <a:extLst>
+              <a:ext uri="{28A0092B-C50C-407E-A947-70E740481C1C}">
+                <a14:useLocalDpi xmlns:a14="http://schemas.microsoft.com/office/drawing/2010/main" val="0"/>
+              </a:ext>
+            </a:extLst>
+          </a:blip>
+          <a:stretch>
+            <a:fillRect/>
+          </a:stretch>
+        </p:blipFill>
+        <p:spPr>
+          <a:xfrm>
+            <a:off x="6749177" y="2014724"/>
+            <a:ext cx="2002937" cy="3412849"/>
+          </a:xfrm>
+          <a:prstGeom prst="rect">
+            <a:avLst/>
+          </a:prstGeom>
+        </p:spPr>
+      </p:pic>
+      <p:pic>
+        <p:nvPicPr>
+          <p:cNvPr id="10" name="图片 9"/>
+          <p:cNvPicPr>
+            <a:picLocks noChangeAspect="1"/>
+          </p:cNvPicPr>
+          <p:nvPr/>
+        </p:nvPicPr>
+        <p:blipFill>
+          <a:blip r:embed="rId5">
+            <a:extLst>
+              <a:ext uri="{28A0092B-C50C-407E-A947-70E740481C1C}">
+                <a14:useLocalDpi xmlns:a14="http://schemas.microsoft.com/office/drawing/2010/main" val="0"/>
+              </a:ext>
+            </a:extLst>
+          </a:blip>
+          <a:stretch>
+            <a:fillRect/>
+          </a:stretch>
+        </p:blipFill>
+        <p:spPr>
+          <a:xfrm>
+            <a:off x="8752114" y="2010805"/>
+            <a:ext cx="1846479" cy="3420687"/>
+          </a:xfrm>
+          <a:prstGeom prst="rect">
+            <a:avLst/>
+          </a:prstGeom>
+        </p:spPr>
+      </p:pic>
+      <p:pic>
+        <p:nvPicPr>
+          <p:cNvPr id="29" name="图片 28">
+            <a:extLst>
+              <a:ext uri="{FF2B5EF4-FFF2-40B4-BE49-F238E27FC236}">
+                <a16:creationId xmlns:a16="http://schemas.microsoft.com/office/drawing/2014/main" id="{38BFBAE4-3FF6-4DF8-9C02-C1FE47FB7EF9}"/>
+              </a:ext>
+            </a:extLst>
+          </p:cNvPr>
+          <p:cNvPicPr>
+            <a:picLocks noChangeAspect="1"/>
+          </p:cNvPicPr>
+          <p:nvPr/>
+        </p:nvPicPr>
+        <p:blipFill>
+          <a:blip r:embed="rId6"/>
+          <a:stretch>
+            <a:fillRect/>
+          </a:stretch>
+        </p:blipFill>
+        <p:spPr>
+          <a:xfrm>
+            <a:off x="4718303" y="2014724"/>
+            <a:ext cx="2030874" cy="3416768"/>
+          </a:xfrm>
+          <a:prstGeom prst="rect">
+            <a:avLst/>
+          </a:prstGeom>
+        </p:spPr>
+      </p:pic>
+      <p:pic>
+        <p:nvPicPr>
+          <p:cNvPr id="30" name="图片 29">
+            <a:extLst>
+              <a:ext uri="{FF2B5EF4-FFF2-40B4-BE49-F238E27FC236}">
+                <a16:creationId xmlns:a16="http://schemas.microsoft.com/office/drawing/2014/main" id="{94D82C28-6882-47CB-BE8B-F60DA665AE95}"/>
+              </a:ext>
+            </a:extLst>
+          </p:cNvPr>
+          <p:cNvPicPr>
+            <a:picLocks noChangeAspect="1"/>
+          </p:cNvPicPr>
+          <p:nvPr/>
+        </p:nvPicPr>
+        <p:blipFill>
+          <a:blip r:embed="rId7"/>
+          <a:stretch>
+            <a:fillRect/>
+          </a:stretch>
+        </p:blipFill>
+        <p:spPr>
+          <a:xfrm>
+            <a:off x="2871824" y="2014724"/>
+            <a:ext cx="1846479" cy="3412849"/>
+          </a:xfrm>
+          <a:prstGeom prst="rect">
+            <a:avLst/>
+          </a:prstGeom>
+        </p:spPr>
+      </p:pic>
+      <p:sp>
+        <p:nvSpPr>
+          <p:cNvPr id="32" name="矩形: 圆角 31">
+            <a:extLst>
+              <a:ext uri="{FF2B5EF4-FFF2-40B4-BE49-F238E27FC236}">
+                <a16:creationId xmlns:a16="http://schemas.microsoft.com/office/drawing/2014/main" id="{7E2E081A-7696-45F8-9F29-4A390EF3E778}"/>
+              </a:ext>
+            </a:extLst>
+          </p:cNvPr>
+          <p:cNvSpPr/>
+          <p:nvPr/>
+        </p:nvSpPr>
+        <p:spPr>
+          <a:xfrm>
+            <a:off x="2335639" y="4295067"/>
+            <a:ext cx="379727" cy="381436"/>
+          </a:xfrm>
+          <a:prstGeom prst="roundRect">
+            <a:avLst/>
+          </a:prstGeom>
+          <a:noFill/>
+          <a:ln w="25400" cmpd="sng">
+            <a:solidFill>
+              <a:srgbClr val="FF0000"/>
+            </a:solidFill>
+            <a:prstDash val="solid"/>
+          </a:ln>
+        </p:spPr>
+        <p:style>
+          <a:lnRef idx="2">
+            <a:schemeClr val="accent1">
+              <a:shade val="50000"/>
+            </a:schemeClr>
+          </a:lnRef>
+          <a:fillRef idx="1">
+            <a:schemeClr val="accent1"/>
+          </a:fillRef>
+          <a:effectRef idx="0">
+            <a:schemeClr val="accent1"/>
+          </a:effectRef>
+          <a:fontRef idx="minor">
+            <a:schemeClr val="lt1"/>
+          </a:fontRef>
+        </p:style>
+        <p:txBody>
+          <a:bodyPr rtlCol="0" anchor="ctr"/>
+          <a:lstStyle/>
+          <a:p>
+            <a:pPr algn="ctr"/>
+            <a:endParaRPr lang="zh-CN" altLang="en-US"/>
+          </a:p>
+        </p:txBody>
+      </p:sp>
+      <p:sp>
+        <p:nvSpPr>
+          <p:cNvPr id="34" name="矩形: 圆角 33">
+            <a:extLst>
+              <a:ext uri="{FF2B5EF4-FFF2-40B4-BE49-F238E27FC236}">
+                <a16:creationId xmlns:a16="http://schemas.microsoft.com/office/drawing/2014/main" id="{E127880E-A3C5-441F-8E53-B60AA8D2CE4B}"/>
+              </a:ext>
+            </a:extLst>
+          </p:cNvPr>
+          <p:cNvSpPr/>
+          <p:nvPr/>
+        </p:nvSpPr>
+        <p:spPr>
+          <a:xfrm>
+            <a:off x="3850434" y="2178604"/>
+            <a:ext cx="341077" cy="214792"/>
+          </a:xfrm>
+          <a:prstGeom prst="roundRect">
+            <a:avLst/>
+          </a:prstGeom>
+          <a:noFill/>
+          <a:ln w="22225">
+            <a:solidFill>
+              <a:srgbClr val="FF0000"/>
+            </a:solidFill>
+            <a:prstDash val="solid"/>
+          </a:ln>
+        </p:spPr>
+        <p:style>
+          <a:lnRef idx="2">
+            <a:schemeClr val="accent1">
+              <a:shade val="50000"/>
+            </a:schemeClr>
+          </a:lnRef>
+          <a:fillRef idx="1">
+            <a:schemeClr val="accent1"/>
+          </a:fillRef>
+          <a:effectRef idx="0">
+            <a:schemeClr val="accent1"/>
+          </a:effectRef>
+          <a:fontRef idx="minor">
+            <a:schemeClr val="lt1"/>
+          </a:fontRef>
+        </p:style>
+        <p:txBody>
+          <a:bodyPr rtlCol="0" anchor="ctr"/>
+          <a:lstStyle/>
+          <a:p>
+            <a:pPr algn="ctr"/>
+            <a:endParaRPr lang="zh-CN" altLang="en-US"/>
+          </a:p>
+        </p:txBody>
+      </p:sp>
+    </p:spTree>
+    <p:extLst>
+      <p:ext uri="{BB962C8B-B14F-4D97-AF65-F5344CB8AC3E}">
+        <p14:creationId xmlns:p14="http://schemas.microsoft.com/office/powerpoint/2010/main" val="2802494259"/>
+      </p:ext>
+    </p:extLst>
+  </p:cSld>
+  <p:clrMapOvr>
+    <a:masterClrMapping/>
+  </p:clrMapOvr>
+</p:sld>
+</file>
+
+<file path=ppt/slides/slide11.xml><?xml version="1.0" encoding="utf-8"?>
+<p:sld xmlns:a="http://schemas.openxmlformats.org/drawingml/2006/main" xmlns:r="http://schemas.openxmlformats.org/officeDocument/2006/relationships" xmlns:p="http://schemas.openxmlformats.org/presentationml/2006/main">
+  <p:cSld>
+    <p:spTree>
+      <p:nvGrpSpPr>
+        <p:cNvPr id="1" name=""/>
+        <p:cNvGrpSpPr/>
+        <p:nvPr/>
+      </p:nvGrpSpPr>
+      <p:grpSpPr>
+        <a:xfrm>
+          <a:off x="0" y="0"/>
+          <a:ext cx="0" cy="0"/>
+          <a:chOff x="0" y="0"/>
+          <a:chExt cx="0" cy="0"/>
+        </a:xfrm>
+      </p:grpSpPr>
+      <p:sp>
+        <p:nvSpPr>
+          <p:cNvPr id="2" name="标题 1">
+            <a:extLst>
+              <a:ext uri="{FF2B5EF4-FFF2-40B4-BE49-F238E27FC236}">
+                <a16:creationId xmlns:a16="http://schemas.microsoft.com/office/drawing/2014/main" id="{7A4919D0-F177-4BBA-9A0B-DBA69E2ED764}"/>
+              </a:ext>
+            </a:extLst>
+          </p:cNvPr>
+          <p:cNvSpPr>
+            <a:spLocks noGrp="1"/>
+          </p:cNvSpPr>
+          <p:nvPr>
+            <p:ph type="title"/>
+          </p:nvPr>
+        </p:nvSpPr>
+        <p:spPr>
+          <a:xfrm>
+            <a:off x="1024128" y="585216"/>
+            <a:ext cx="9720072" cy="1499616"/>
+          </a:xfrm>
+        </p:spPr>
+        <p:txBody>
+          <a:bodyPr rtlCol="0">
+            <a:normAutofit/>
+          </a:bodyPr>
+          <a:lstStyle/>
+          <a:p>
+            <a:r>
+              <a:rPr lang="zh-CN" altLang="en-US" dirty="0"/>
+              <a:t>整体业务</a:t>
+            </a:r>
+            <a:r>
+              <a:rPr lang="en-US" altLang="zh-CN" dirty="0"/>
+              <a:t>-</a:t>
+            </a:r>
+            <a:r>
+              <a:rPr lang="zh-CN" altLang="en-US" dirty="0"/>
+              <a:t>植入点</a:t>
+            </a:r>
+            <a:endParaRPr lang="en-US" altLang="zh-CN" dirty="0">
+              <a:latin typeface="Microsoft YaHei UI" panose="020B0503020204020204" pitchFamily="34" charset="-122"/>
+              <a:ea typeface="Microsoft YaHei UI" panose="020B0503020204020204" pitchFamily="34" charset="-122"/>
+            </a:endParaRPr>
+          </a:p>
+        </p:txBody>
+      </p:sp>
+      <p:pic>
+        <p:nvPicPr>
+          <p:cNvPr id="3" name="图片 2"/>
+          <p:cNvPicPr>
+            <a:picLocks noChangeAspect="1"/>
+          </p:cNvPicPr>
+          <p:nvPr/>
+        </p:nvPicPr>
+        <p:blipFill>
+          <a:blip r:embed="rId3">
+            <a:extLst>
+              <a:ext uri="{28A0092B-C50C-407E-A947-70E740481C1C}">
+                <a14:useLocalDpi xmlns:a14="http://schemas.microsoft.com/office/drawing/2010/main" val="0"/>
+              </a:ext>
+            </a:extLst>
+          </a:blip>
+          <a:stretch>
+            <a:fillRect/>
+          </a:stretch>
+        </p:blipFill>
+        <p:spPr>
+          <a:xfrm>
+            <a:off x="6946906" y="2263822"/>
+            <a:ext cx="2002937" cy="3412849"/>
+          </a:xfrm>
+          <a:prstGeom prst="rect">
+            <a:avLst/>
+          </a:prstGeom>
+        </p:spPr>
+      </p:pic>
+      <p:pic>
+        <p:nvPicPr>
+          <p:cNvPr id="10" name="图片 9"/>
+          <p:cNvPicPr>
+            <a:picLocks noChangeAspect="1"/>
+          </p:cNvPicPr>
+          <p:nvPr/>
+        </p:nvPicPr>
+        <p:blipFill>
+          <a:blip r:embed="rId4">
+            <a:extLst>
+              <a:ext uri="{28A0092B-C50C-407E-A947-70E740481C1C}">
+                <a14:useLocalDpi xmlns:a14="http://schemas.microsoft.com/office/drawing/2010/main" val="0"/>
+              </a:ext>
+            </a:extLst>
+          </a:blip>
+          <a:stretch>
+            <a:fillRect/>
+          </a:stretch>
+        </p:blipFill>
+        <p:spPr>
+          <a:xfrm>
+            <a:off x="8920939" y="2259903"/>
+            <a:ext cx="1846479" cy="3420687"/>
+          </a:xfrm>
+          <a:prstGeom prst="rect">
+            <a:avLst/>
+          </a:prstGeom>
+        </p:spPr>
+      </p:pic>
+      <p:pic>
+        <p:nvPicPr>
+          <p:cNvPr id="29" name="图片 28">
+            <a:extLst>
+              <a:ext uri="{FF2B5EF4-FFF2-40B4-BE49-F238E27FC236}">
+                <a16:creationId xmlns:a16="http://schemas.microsoft.com/office/drawing/2014/main" id="{38BFBAE4-3FF6-4DF8-9C02-C1FE47FB7EF9}"/>
+              </a:ext>
+            </a:extLst>
+          </p:cNvPr>
+          <p:cNvPicPr>
+            <a:picLocks noChangeAspect="1"/>
+          </p:cNvPicPr>
+          <p:nvPr/>
+        </p:nvPicPr>
+        <p:blipFill>
+          <a:blip r:embed="rId5"/>
+          <a:stretch>
+            <a:fillRect/>
+          </a:stretch>
+        </p:blipFill>
+        <p:spPr>
+          <a:xfrm>
+            <a:off x="4916032" y="2259903"/>
+            <a:ext cx="2030874" cy="3416768"/>
+          </a:xfrm>
+          <a:prstGeom prst="rect">
+            <a:avLst/>
+          </a:prstGeom>
+        </p:spPr>
+      </p:pic>
+      <p:grpSp>
+        <p:nvGrpSpPr>
+          <p:cNvPr id="7" name="组合 6">
+            <a:extLst>
+              <a:ext uri="{FF2B5EF4-FFF2-40B4-BE49-F238E27FC236}">
+                <a16:creationId xmlns:a16="http://schemas.microsoft.com/office/drawing/2014/main" id="{02D9B9C7-6B81-48A4-95C8-C013BA48A513}"/>
+              </a:ext>
+            </a:extLst>
+          </p:cNvPr>
+          <p:cNvGrpSpPr/>
+          <p:nvPr/>
+        </p:nvGrpSpPr>
+        <p:grpSpPr>
+          <a:xfrm>
+            <a:off x="972527" y="1810621"/>
+            <a:ext cx="3284740" cy="4319745"/>
+            <a:chOff x="1003212" y="1835169"/>
+            <a:chExt cx="3284740" cy="4319745"/>
+          </a:xfrm>
+        </p:grpSpPr>
+        <p:grpSp>
+          <p:nvGrpSpPr>
+            <p:cNvPr id="5" name="组合 4">
+              <a:extLst>
+                <a:ext uri="{FF2B5EF4-FFF2-40B4-BE49-F238E27FC236}">
+                  <a16:creationId xmlns:a16="http://schemas.microsoft.com/office/drawing/2014/main" id="{C7231568-CE7D-4577-8830-2290998588D5}"/>
+                </a:ext>
+              </a:extLst>
+            </p:cNvPr>
+            <p:cNvGrpSpPr/>
+            <p:nvPr/>
+          </p:nvGrpSpPr>
+          <p:grpSpPr>
+            <a:xfrm>
+              <a:off x="2378506" y="2742065"/>
+              <a:ext cx="1909446" cy="3412849"/>
+              <a:chOff x="3049194" y="2588642"/>
+              <a:chExt cx="1909446" cy="3412849"/>
+            </a:xfrm>
+          </p:grpSpPr>
+          <p:pic>
+            <p:nvPicPr>
+              <p:cNvPr id="4" name="图片 3"/>
+              <p:cNvPicPr>
+                <a:picLocks noChangeAspect="1"/>
+              </p:cNvPicPr>
+              <p:nvPr/>
+            </p:nvPicPr>
+            <p:blipFill>
+              <a:blip r:embed="rId6">
+                <a:extLst>
+                  <a:ext uri="{28A0092B-C50C-407E-A947-70E740481C1C}">
+                    <a14:useLocalDpi xmlns:a14="http://schemas.microsoft.com/office/drawing/2010/main" val="0"/>
+                  </a:ext>
+                </a:extLst>
+              </a:blip>
+              <a:stretch>
+                <a:fillRect/>
+              </a:stretch>
+            </p:blipFill>
+            <p:spPr>
+              <a:xfrm>
+                <a:off x="3049194" y="2588642"/>
+                <a:ext cx="1909446" cy="3412849"/>
+              </a:xfrm>
+              <a:prstGeom prst="rect">
+                <a:avLst/>
+              </a:prstGeom>
+            </p:spPr>
+          </p:pic>
+          <p:sp>
+            <p:nvSpPr>
+              <p:cNvPr id="32" name="矩形: 圆角 31">
+                <a:extLst>
+                  <a:ext uri="{FF2B5EF4-FFF2-40B4-BE49-F238E27FC236}">
+                    <a16:creationId xmlns:a16="http://schemas.microsoft.com/office/drawing/2014/main" id="{7E2E081A-7696-45F8-9F29-4A390EF3E778}"/>
+                  </a:ext>
+                </a:extLst>
+              </p:cNvPr>
+              <p:cNvSpPr/>
+              <p:nvPr/>
+            </p:nvSpPr>
+            <p:spPr>
+              <a:xfrm>
+                <a:off x="4416561" y="4860026"/>
+                <a:ext cx="379727" cy="381436"/>
+              </a:xfrm>
+              <a:prstGeom prst="roundRect">
+                <a:avLst/>
+              </a:prstGeom>
+              <a:noFill/>
+              <a:ln w="22225">
+                <a:solidFill>
+                  <a:srgbClr val="FF0000"/>
+                </a:solidFill>
+                <a:prstDash val="sysDot"/>
+              </a:ln>
+            </p:spPr>
+            <p:style>
+              <a:lnRef idx="2">
+                <a:schemeClr val="accent1">
+                  <a:shade val="50000"/>
+                </a:schemeClr>
+              </a:lnRef>
+              <a:fillRef idx="1">
+                <a:schemeClr val="accent1"/>
+              </a:fillRef>
+              <a:effectRef idx="0">
+                <a:schemeClr val="accent1"/>
+              </a:effectRef>
+              <a:fontRef idx="minor">
+                <a:schemeClr val="lt1"/>
+              </a:fontRef>
+            </p:style>
+            <p:txBody>
+              <a:bodyPr rtlCol="0" anchor="ctr"/>
+              <a:lstStyle/>
+              <a:p>
+                <a:pPr algn="ctr"/>
+                <a:endParaRPr lang="zh-CN" altLang="en-US"/>
+              </a:p>
+            </p:txBody>
+          </p:sp>
+        </p:grpSp>
+        <p:grpSp>
+          <p:nvGrpSpPr>
+            <p:cNvPr id="6" name="组合 5">
+              <a:extLst>
+                <a:ext uri="{FF2B5EF4-FFF2-40B4-BE49-F238E27FC236}">
+                  <a16:creationId xmlns:a16="http://schemas.microsoft.com/office/drawing/2014/main" id="{8FFF21F3-4BE7-454A-AC0B-9E85391DE5CA}"/>
+                </a:ext>
+              </a:extLst>
+            </p:cNvPr>
+            <p:cNvGrpSpPr/>
+            <p:nvPr/>
+          </p:nvGrpSpPr>
+          <p:grpSpPr>
+            <a:xfrm>
+              <a:off x="1003212" y="1865435"/>
+              <a:ext cx="1846479" cy="3412849"/>
+              <a:chOff x="1008754" y="1828613"/>
+              <a:chExt cx="1846479" cy="3412849"/>
+            </a:xfrm>
+          </p:grpSpPr>
+          <p:pic>
+            <p:nvPicPr>
+              <p:cNvPr id="30" name="图片 29">
+                <a:extLst>
+                  <a:ext uri="{FF2B5EF4-FFF2-40B4-BE49-F238E27FC236}">
+                    <a16:creationId xmlns:a16="http://schemas.microsoft.com/office/drawing/2014/main" id="{94D82C28-6882-47CB-BE8B-F60DA665AE95}"/>
+                  </a:ext>
+                </a:extLst>
+              </p:cNvPr>
+              <p:cNvPicPr>
+                <a:picLocks noChangeAspect="1"/>
+              </p:cNvPicPr>
+              <p:nvPr/>
+            </p:nvPicPr>
+            <p:blipFill>
+              <a:blip r:embed="rId7"/>
+              <a:stretch>
+                <a:fillRect/>
+              </a:stretch>
+            </p:blipFill>
+            <p:spPr>
+              <a:xfrm>
+                <a:off x="1008754" y="1828613"/>
+                <a:ext cx="1846479" cy="3412849"/>
+              </a:xfrm>
+              <a:prstGeom prst="rect">
+                <a:avLst/>
+              </a:prstGeom>
+            </p:spPr>
+          </p:pic>
+          <p:sp>
+            <p:nvSpPr>
+              <p:cNvPr id="34" name="矩形: 圆角 33">
+                <a:extLst>
+                  <a:ext uri="{FF2B5EF4-FFF2-40B4-BE49-F238E27FC236}">
+                    <a16:creationId xmlns:a16="http://schemas.microsoft.com/office/drawing/2014/main" id="{E127880E-A3C5-441F-8E53-B60AA8D2CE4B}"/>
+                  </a:ext>
+                </a:extLst>
+              </p:cNvPr>
+              <p:cNvSpPr/>
+              <p:nvPr/>
+            </p:nvSpPr>
+            <p:spPr>
+              <a:xfrm>
+                <a:off x="1983943" y="1995595"/>
+                <a:ext cx="341077" cy="214792"/>
+              </a:xfrm>
+              <a:prstGeom prst="roundRect">
+                <a:avLst/>
+              </a:prstGeom>
+              <a:noFill/>
+              <a:ln w="22225">
+                <a:solidFill>
+                  <a:srgbClr val="FF0000"/>
+                </a:solidFill>
+                <a:prstDash val="sysDot"/>
+              </a:ln>
+            </p:spPr>
+            <p:style>
+              <a:lnRef idx="2">
+                <a:schemeClr val="accent1">
+                  <a:shade val="50000"/>
+                </a:schemeClr>
+              </a:lnRef>
+              <a:fillRef idx="1">
+                <a:schemeClr val="accent1"/>
+              </a:fillRef>
+              <a:effectRef idx="0">
+                <a:schemeClr val="accent1"/>
+              </a:effectRef>
+              <a:fontRef idx="minor">
+                <a:schemeClr val="lt1"/>
+              </a:fontRef>
+            </p:style>
+            <p:txBody>
+              <a:bodyPr rtlCol="0" anchor="ctr"/>
+              <a:lstStyle/>
+              <a:p>
+                <a:pPr algn="ctr"/>
+                <a:endParaRPr lang="zh-CN" altLang="en-US"/>
+              </a:p>
+            </p:txBody>
+          </p:sp>
+        </p:grpSp>
+        <p:sp>
+          <p:nvSpPr>
+            <p:cNvPr id="35" name="箭头: 虚尾 34">
+              <a:extLst>
+                <a:ext uri="{FF2B5EF4-FFF2-40B4-BE49-F238E27FC236}">
+                  <a16:creationId xmlns:a16="http://schemas.microsoft.com/office/drawing/2014/main" id="{C3BF2427-E58C-4DE6-A100-C62C289EF566}"/>
+                </a:ext>
+              </a:extLst>
+            </p:cNvPr>
+            <p:cNvSpPr/>
+            <p:nvPr/>
+          </p:nvSpPr>
+          <p:spPr>
+            <a:xfrm rot="19465583">
+              <a:off x="2571646" y="5523876"/>
+              <a:ext cx="1212919" cy="354686"/>
+            </a:xfrm>
+            <a:prstGeom prst="stripedRightArrow">
+              <a:avLst>
+                <a:gd name="adj1" fmla="val 22313"/>
+                <a:gd name="adj2" fmla="val 159965"/>
+              </a:avLst>
+            </a:prstGeom>
+            <a:solidFill>
+              <a:srgbClr val="FF0000"/>
+            </a:solidFill>
+            <a:ln>
+              <a:solidFill>
+                <a:srgbClr val="FF0000"/>
+              </a:solidFill>
+            </a:ln>
+          </p:spPr>
+          <p:style>
+            <a:lnRef idx="2">
+              <a:schemeClr val="accent1">
+                <a:shade val="50000"/>
+              </a:schemeClr>
+            </a:lnRef>
+            <a:fillRef idx="1">
+              <a:schemeClr val="accent1"/>
+            </a:fillRef>
+            <a:effectRef idx="0">
+              <a:schemeClr val="accent1"/>
+            </a:effectRef>
+            <a:fontRef idx="minor">
+              <a:schemeClr val="lt1"/>
+            </a:fontRef>
+          </p:style>
+          <p:txBody>
+            <a:bodyPr rtlCol="0" anchor="ctr"/>
+            <a:lstStyle/>
+            <a:p>
+              <a:pPr algn="ctr"/>
+              <a:endParaRPr lang="zh-CN" altLang="en-US"/>
+            </a:p>
+          </p:txBody>
+        </p:sp>
+        <p:sp>
+          <p:nvSpPr>
+            <p:cNvPr id="36" name="箭头: 虚尾 35">
+              <a:extLst>
+                <a:ext uri="{FF2B5EF4-FFF2-40B4-BE49-F238E27FC236}">
+                  <a16:creationId xmlns:a16="http://schemas.microsoft.com/office/drawing/2014/main" id="{84E8EC12-EAF6-43F0-9BAD-6B4D4D70533B}"/>
+                </a:ext>
+              </a:extLst>
+            </p:cNvPr>
+            <p:cNvSpPr/>
+            <p:nvPr/>
+          </p:nvSpPr>
+          <p:spPr>
+            <a:xfrm rot="1413328">
+              <a:off x="1195314" y="1835169"/>
+              <a:ext cx="766173" cy="192061"/>
+            </a:xfrm>
+            <a:prstGeom prst="stripedRightArrow">
+              <a:avLst>
+                <a:gd name="adj1" fmla="val 22313"/>
+                <a:gd name="adj2" fmla="val 177205"/>
+              </a:avLst>
+            </a:prstGeom>
+            <a:solidFill>
+              <a:srgbClr val="FF0000"/>
+            </a:solidFill>
+            <a:ln>
+              <a:solidFill>
+                <a:srgbClr val="FF0000"/>
+              </a:solidFill>
+            </a:ln>
+          </p:spPr>
+          <p:style>
+            <a:lnRef idx="2">
+              <a:schemeClr val="accent1">
+                <a:shade val="50000"/>
+              </a:schemeClr>
+            </a:lnRef>
+            <a:fillRef idx="1">
+              <a:schemeClr val="accent1"/>
+            </a:fillRef>
+            <a:effectRef idx="0">
+              <a:schemeClr val="accent1"/>
+            </a:effectRef>
+            <a:fontRef idx="minor">
+              <a:schemeClr val="lt1"/>
+            </a:fontRef>
+          </p:style>
+          <p:txBody>
+            <a:bodyPr rtlCol="0" anchor="ctr"/>
+            <a:lstStyle/>
+            <a:p>
+              <a:pPr algn="ctr"/>
+              <a:endParaRPr lang="zh-CN" altLang="en-US"/>
+            </a:p>
+          </p:txBody>
+        </p:sp>
+      </p:grpSp>
+      <p:grpSp>
+        <p:nvGrpSpPr>
+          <p:cNvPr id="15" name="组合 14">
+            <a:extLst>
+              <a:ext uri="{FF2B5EF4-FFF2-40B4-BE49-F238E27FC236}">
+                <a16:creationId xmlns:a16="http://schemas.microsoft.com/office/drawing/2014/main" id="{4F1312B4-91F8-473E-A388-999BBF5CD929}"/>
+              </a:ext>
+            </a:extLst>
+          </p:cNvPr>
+          <p:cNvGrpSpPr/>
+          <p:nvPr/>
+        </p:nvGrpSpPr>
+        <p:grpSpPr>
+          <a:xfrm>
+            <a:off x="4325193" y="3737379"/>
+            <a:ext cx="524687" cy="230907"/>
+            <a:chOff x="2556873" y="3724101"/>
+            <a:chExt cx="845180" cy="494401"/>
+          </a:xfrm>
+          <a:noFill/>
+        </p:grpSpPr>
+        <p:sp>
+          <p:nvSpPr>
+            <p:cNvPr id="16" name="燕尾形 17">
+              <a:extLst>
+                <a:ext uri="{FF2B5EF4-FFF2-40B4-BE49-F238E27FC236}">
+                  <a16:creationId xmlns:a16="http://schemas.microsoft.com/office/drawing/2014/main" id="{020D8187-96CB-4F6C-875D-3F20804E0914}"/>
+                </a:ext>
+              </a:extLst>
+            </p:cNvPr>
+            <p:cNvSpPr/>
+            <p:nvPr/>
+          </p:nvSpPr>
+          <p:spPr>
+            <a:xfrm>
+              <a:off x="2556873" y="3724101"/>
+              <a:ext cx="365760" cy="494401"/>
+            </a:xfrm>
+            <a:prstGeom prst="chevron">
+              <a:avLst/>
+            </a:prstGeom>
+            <a:grpFill/>
+            <a:ln>
+              <a:solidFill>
+                <a:srgbClr val="FF0000"/>
+              </a:solidFill>
+            </a:ln>
+          </p:spPr>
+          <p:style>
+            <a:lnRef idx="2">
+              <a:schemeClr val="accent5">
+                <a:shade val="50000"/>
+              </a:schemeClr>
+            </a:lnRef>
+            <a:fillRef idx="1">
+              <a:schemeClr val="accent5"/>
+            </a:fillRef>
+            <a:effectRef idx="0">
+              <a:schemeClr val="accent5"/>
+            </a:effectRef>
+            <a:fontRef idx="minor">
+              <a:schemeClr val="lt1"/>
+            </a:fontRef>
+          </p:style>
+          <p:txBody>
+            <a:bodyPr rtlCol="0" anchor="ctr"/>
+            <a:lstStyle/>
+            <a:p>
+              <a:pPr algn="ctr"/>
+              <a:endParaRPr lang="zh-CN" altLang="en-US">
+                <a:solidFill>
+                  <a:schemeClr val="tx1"/>
+                </a:solidFill>
+              </a:endParaRPr>
+            </a:p>
+          </p:txBody>
+        </p:sp>
+        <p:sp>
+          <p:nvSpPr>
+            <p:cNvPr id="17" name="燕尾形 18">
+              <a:extLst>
+                <a:ext uri="{FF2B5EF4-FFF2-40B4-BE49-F238E27FC236}">
+                  <a16:creationId xmlns:a16="http://schemas.microsoft.com/office/drawing/2014/main" id="{D8B8384F-F3FD-44CB-8A9F-2A15B52CDE96}"/>
+                </a:ext>
+              </a:extLst>
+            </p:cNvPr>
+            <p:cNvSpPr/>
+            <p:nvPr/>
+          </p:nvSpPr>
+          <p:spPr>
+            <a:xfrm>
+              <a:off x="2796263" y="3724101"/>
+              <a:ext cx="365760" cy="494401"/>
+            </a:xfrm>
+            <a:prstGeom prst="chevron">
+              <a:avLst/>
+            </a:prstGeom>
+            <a:grpFill/>
+            <a:ln>
+              <a:solidFill>
+                <a:srgbClr val="FF0000"/>
+              </a:solidFill>
+            </a:ln>
+          </p:spPr>
+          <p:style>
+            <a:lnRef idx="2">
+              <a:schemeClr val="accent5">
+                <a:shade val="50000"/>
+              </a:schemeClr>
+            </a:lnRef>
+            <a:fillRef idx="1">
+              <a:schemeClr val="accent5"/>
+            </a:fillRef>
+            <a:effectRef idx="0">
+              <a:schemeClr val="accent5"/>
+            </a:effectRef>
+            <a:fontRef idx="minor">
+              <a:schemeClr val="lt1"/>
+            </a:fontRef>
+          </p:style>
+          <p:txBody>
+            <a:bodyPr rtlCol="0" anchor="ctr"/>
+            <a:lstStyle/>
+            <a:p>
+              <a:pPr algn="ctr"/>
+              <a:endParaRPr lang="zh-CN" altLang="en-US">
+                <a:solidFill>
+                  <a:schemeClr val="tx1"/>
+                </a:solidFill>
+              </a:endParaRPr>
+            </a:p>
+          </p:txBody>
+        </p:sp>
+        <p:sp>
+          <p:nvSpPr>
+            <p:cNvPr id="18" name="燕尾形 19">
+              <a:extLst>
+                <a:ext uri="{FF2B5EF4-FFF2-40B4-BE49-F238E27FC236}">
+                  <a16:creationId xmlns:a16="http://schemas.microsoft.com/office/drawing/2014/main" id="{B7F353BC-5FDE-455A-ADD1-2D1378B387A1}"/>
+                </a:ext>
+              </a:extLst>
+            </p:cNvPr>
+            <p:cNvSpPr/>
+            <p:nvPr/>
+          </p:nvSpPr>
+          <p:spPr>
+            <a:xfrm>
+              <a:off x="3036293" y="3724101"/>
+              <a:ext cx="365760" cy="494401"/>
+            </a:xfrm>
+            <a:prstGeom prst="chevron">
+              <a:avLst/>
+            </a:prstGeom>
+            <a:grpFill/>
+            <a:ln>
+              <a:solidFill>
+                <a:srgbClr val="FF0000"/>
+              </a:solidFill>
+            </a:ln>
+          </p:spPr>
+          <p:style>
+            <a:lnRef idx="2">
+              <a:schemeClr val="accent5">
+                <a:shade val="50000"/>
+              </a:schemeClr>
+            </a:lnRef>
+            <a:fillRef idx="1">
+              <a:schemeClr val="accent5"/>
+            </a:fillRef>
+            <a:effectRef idx="0">
+              <a:schemeClr val="accent5"/>
+            </a:effectRef>
+            <a:fontRef idx="minor">
+              <a:schemeClr val="lt1"/>
+            </a:fontRef>
+          </p:style>
+          <p:txBody>
+            <a:bodyPr rtlCol="0" anchor="ctr"/>
+            <a:lstStyle/>
+            <a:p>
+              <a:pPr algn="ctr"/>
+              <a:endParaRPr lang="zh-CN" altLang="en-US" dirty="0">
+                <a:solidFill>
+                  <a:schemeClr val="tx1"/>
+                </a:solidFill>
+              </a:endParaRPr>
+            </a:p>
+          </p:txBody>
+        </p:sp>
+      </p:grpSp>
+    </p:spTree>
+    <p:extLst>
+      <p:ext uri="{BB962C8B-B14F-4D97-AF65-F5344CB8AC3E}">
+        <p14:creationId xmlns:p14="http://schemas.microsoft.com/office/powerpoint/2010/main" val="2604342128"/>
       </p:ext>
     </p:extLst>
   </p:cSld>
@@ -25074,7 +26296,7 @@
           <a:lstStyle/>
           <a:p>
             <a:r>
-              <a:rPr lang="zh-CN" altLang="en-US" dirty="0" smtClean="0"/>
+              <a:rPr lang="zh-CN" altLang="en-US" dirty="0"/>
               <a:t>引入方案</a:t>
             </a:r>
             <a:endParaRPr lang="en-US" altLang="zh-CN" dirty="0">
@@ -25253,18 +26475,14 @@
           <a:p>
             <a:r>
               <a:rPr lang="zh-CN" altLang="en-US" dirty="0"/>
-              <a:t>内</a:t>
+              <a:t>内嵌搜谷移动应用</a:t>
             </a:r>
             <a:r>
-              <a:rPr lang="zh-CN" altLang="en-US" dirty="0" smtClean="0"/>
-              <a:t>嵌搜谷移动应用</a:t>
-            </a:r>
-            <a:r>
-              <a:rPr lang="en-US" altLang="zh-CN" dirty="0" smtClean="0"/>
+              <a:rPr lang="en-US" altLang="zh-CN" dirty="0"/>
               <a:t>-</a:t>
             </a:r>
             <a:r>
-              <a:rPr lang="zh-CN" altLang="en-US" dirty="0" smtClean="0"/>
+              <a:rPr lang="zh-CN" altLang="en-US" dirty="0"/>
               <a:t>业务流程</a:t>
             </a:r>
             <a:endParaRPr lang="en-US" altLang="zh-CN" dirty="0">
@@ -25904,16 +27122,12 @@
           <a:lstStyle/>
           <a:p>
             <a:r>
-              <a:rPr lang="zh-CN" altLang="en-US" b="1" dirty="0" smtClean="0">
+              <a:rPr lang="zh-CN" altLang="en-US" b="1" dirty="0">
                 <a:latin typeface="华文宋体" panose="02010600040101010101" pitchFamily="2" charset="-122"/>
                 <a:ea typeface="华文宋体" panose="02010600040101010101" pitchFamily="2" charset="-122"/>
               </a:rPr>
               <a:t>例如：亿通行</a:t>
             </a:r>
-            <a:endParaRPr lang="zh-CN" altLang="en-US" b="1" dirty="0">
-              <a:latin typeface="华文宋体" panose="02010600040101010101" pitchFamily="2" charset="-122"/>
-              <a:ea typeface="华文宋体" panose="02010600040101010101" pitchFamily="2" charset="-122"/>
-            </a:endParaRPr>
           </a:p>
         </p:txBody>
       </p:sp>
@@ -25940,16 +27154,12 @@
           <a:lstStyle/>
           <a:p>
             <a:r>
-              <a:rPr lang="zh-CN" altLang="en-US" sz="1600" b="1" dirty="0" smtClean="0">
+              <a:rPr lang="zh-CN" altLang="en-US" sz="1600" b="1" dirty="0">
                 <a:latin typeface="华文宋体" panose="02010600040101010101" pitchFamily="2" charset="-122"/>
                 <a:ea typeface="华文宋体" panose="02010600040101010101" pitchFamily="2" charset="-122"/>
               </a:rPr>
               <a:t>点击</a:t>
             </a:r>
-            <a:endParaRPr lang="zh-CN" altLang="en-US" sz="1600" b="1" dirty="0">
-              <a:latin typeface="华文宋体" panose="02010600040101010101" pitchFamily="2" charset="-122"/>
-              <a:ea typeface="华文宋体" panose="02010600040101010101" pitchFamily="2" charset="-122"/>
-            </a:endParaRPr>
           </a:p>
         </p:txBody>
       </p:sp>
@@ -25976,16 +27186,12 @@
           <a:lstStyle/>
           <a:p>
             <a:r>
-              <a:rPr lang="zh-CN" altLang="en-US" sz="1600" b="1" dirty="0" smtClean="0">
+              <a:rPr lang="zh-CN" altLang="en-US" sz="1600" b="1" dirty="0">
                 <a:latin typeface="华文宋体" panose="02010600040101010101" pitchFamily="2" charset="-122"/>
                 <a:ea typeface="华文宋体" panose="02010600040101010101" pitchFamily="2" charset="-122"/>
               </a:rPr>
               <a:t>进入内嵌页面</a:t>
             </a:r>
-            <a:endParaRPr lang="zh-CN" altLang="en-US" sz="1600" b="1" dirty="0">
-              <a:latin typeface="华文宋体" panose="02010600040101010101" pitchFamily="2" charset="-122"/>
-              <a:ea typeface="华文宋体" panose="02010600040101010101" pitchFamily="2" charset="-122"/>
-            </a:endParaRPr>
           </a:p>
         </p:txBody>
       </p:sp>
@@ -26049,18 +27255,14 @@
           <a:p>
             <a:r>
               <a:rPr lang="zh-CN" altLang="en-US" dirty="0"/>
-              <a:t>内嵌搜谷移动</a:t>
+              <a:t>内嵌搜谷移动应用</a:t>
             </a:r>
             <a:r>
-              <a:rPr lang="zh-CN" altLang="en-US" dirty="0" smtClean="0"/>
-              <a:t>应用</a:t>
-            </a:r>
-            <a:r>
-              <a:rPr lang="en-US" altLang="zh-CN" dirty="0" smtClean="0"/>
+              <a:rPr lang="en-US" altLang="zh-CN" dirty="0"/>
               <a:t>-</a:t>
             </a:r>
             <a:r>
-              <a:rPr lang="zh-CN" altLang="en-US" dirty="0" smtClean="0"/>
+              <a:rPr lang="zh-CN" altLang="en-US" dirty="0"/>
               <a:t>技术接入</a:t>
             </a:r>
             <a:endParaRPr lang="en-US" altLang="zh-CN" dirty="0">
@@ -26275,7 +27477,7 @@
             <a:lstStyle/>
             <a:p>
               <a:r>
-                <a:rPr lang="zh-CN" altLang="en-US" b="1" dirty="0" smtClean="0">
+                <a:rPr lang="zh-CN" altLang="en-US" b="1" dirty="0">
                   <a:solidFill>
                     <a:schemeClr val="bg1"/>
                   </a:solidFill>
@@ -26284,13 +27486,6 @@
                 </a:rPr>
                 <a:t>接入注册</a:t>
               </a:r>
-              <a:endParaRPr lang="zh-CN" altLang="en-US" b="1" dirty="0">
-                <a:solidFill>
-                  <a:schemeClr val="bg1"/>
-                </a:solidFill>
-                <a:latin typeface="宋体" panose="02010600030101010101" pitchFamily="2" charset="-122"/>
-                <a:ea typeface="宋体" panose="02010600030101010101" pitchFamily="2" charset="-122"/>
-              </a:endParaRPr>
             </a:p>
           </p:txBody>
         </p:sp>
@@ -26317,7 +27512,7 @@
             <a:lstStyle/>
             <a:p>
               <a:r>
-                <a:rPr lang="zh-CN" altLang="en-US" b="1" dirty="0" smtClean="0">
+                <a:rPr lang="zh-CN" altLang="en-US" b="1" dirty="0">
                   <a:solidFill>
                     <a:schemeClr val="bg1"/>
                   </a:solidFill>
@@ -26326,13 +27521,6 @@
                 </a:rPr>
                 <a:t>颁发凭证</a:t>
               </a:r>
-              <a:endParaRPr lang="zh-CN" altLang="en-US" b="1" dirty="0">
-                <a:solidFill>
-                  <a:schemeClr val="bg1"/>
-                </a:solidFill>
-                <a:latin typeface="宋体" panose="02010600030101010101" pitchFamily="2" charset="-122"/>
-                <a:ea typeface="宋体" panose="02010600030101010101" pitchFamily="2" charset="-122"/>
-              </a:endParaRPr>
             </a:p>
           </p:txBody>
         </p:sp>
@@ -26359,7 +27547,7 @@
             <a:lstStyle/>
             <a:p>
               <a:r>
-                <a:rPr lang="zh-CN" altLang="en-US" b="1" dirty="0" smtClean="0">
+                <a:rPr lang="zh-CN" altLang="en-US" b="1" dirty="0">
                   <a:solidFill>
                     <a:schemeClr val="bg1"/>
                   </a:solidFill>
@@ -26368,13 +27556,6 @@
                 </a:rPr>
                 <a:t>第三方接入</a:t>
               </a:r>
-              <a:endParaRPr lang="zh-CN" altLang="en-US" b="1" dirty="0">
-                <a:solidFill>
-                  <a:schemeClr val="bg1"/>
-                </a:solidFill>
-                <a:latin typeface="宋体" panose="02010600030101010101" pitchFamily="2" charset="-122"/>
-                <a:ea typeface="宋体" panose="02010600030101010101" pitchFamily="2" charset="-122"/>
-              </a:endParaRPr>
             </a:p>
           </p:txBody>
         </p:sp>
@@ -26401,7 +27582,7 @@
             <a:lstStyle/>
             <a:p>
               <a:r>
-                <a:rPr lang="zh-CN" altLang="en-US" b="1" dirty="0" smtClean="0">
+                <a:rPr lang="zh-CN" altLang="en-US" b="1" dirty="0">
                   <a:solidFill>
                     <a:schemeClr val="bg1"/>
                   </a:solidFill>
@@ -26410,13 +27591,6 @@
                 </a:rPr>
                 <a:t>上线</a:t>
               </a:r>
-              <a:endParaRPr lang="zh-CN" altLang="en-US" b="1" dirty="0">
-                <a:solidFill>
-                  <a:schemeClr val="bg1"/>
-                </a:solidFill>
-                <a:latin typeface="宋体" panose="02010600030101010101" pitchFamily="2" charset="-122"/>
-                <a:ea typeface="宋体" panose="02010600030101010101" pitchFamily="2" charset="-122"/>
-              </a:endParaRPr>
             </a:p>
           </p:txBody>
         </p:sp>
@@ -26446,7 +27620,7 @@
           <a:lstStyle/>
           <a:p>
             <a:r>
-              <a:rPr lang="en-US" altLang="zh-CN" dirty="0" smtClean="0">
+              <a:rPr lang="en-US" altLang="zh-CN" dirty="0">
                 <a:solidFill>
                   <a:schemeClr val="bg1"/>
                 </a:solidFill>
@@ -26456,7 +27630,7 @@
               <a:t>Step1.</a:t>
             </a:r>
             <a:r>
-              <a:rPr lang="zh-CN" altLang="en-US" dirty="0" smtClean="0">
+              <a:rPr lang="zh-CN" altLang="en-US" dirty="0">
                 <a:solidFill>
                   <a:schemeClr val="bg1"/>
                 </a:solidFill>
@@ -26465,13 +27639,6 @@
               </a:rPr>
               <a:t>在搜谷管理后台注册，填写相关第三方信息</a:t>
             </a:r>
-            <a:endParaRPr lang="zh-CN" altLang="en-US" dirty="0">
-              <a:solidFill>
-                <a:schemeClr val="bg1"/>
-              </a:solidFill>
-              <a:latin typeface="宋体" panose="02010600030101010101" pitchFamily="2" charset="-122"/>
-              <a:ea typeface="宋体" panose="02010600030101010101" pitchFamily="2" charset="-122"/>
-            </a:endParaRPr>
           </a:p>
         </p:txBody>
       </p:sp>
@@ -26500,7 +27667,7 @@
           <a:lstStyle/>
           <a:p>
             <a:r>
-              <a:rPr lang="en-US" altLang="zh-CN" dirty="0" smtClean="0">
+              <a:rPr lang="en-US" altLang="zh-CN" dirty="0">
                 <a:solidFill>
                   <a:schemeClr val="bg1"/>
                 </a:solidFill>
@@ -26510,7 +27677,7 @@
               <a:t>Step2.</a:t>
             </a:r>
             <a:r>
-              <a:rPr lang="zh-CN" altLang="en-US" dirty="0" smtClean="0">
+              <a:rPr lang="zh-CN" altLang="en-US" dirty="0">
                 <a:solidFill>
                   <a:schemeClr val="bg1"/>
                 </a:solidFill>
@@ -26520,7 +27687,7 @@
               <a:t>搜谷审批审核后，颁发唯一</a:t>
             </a:r>
             <a:r>
-              <a:rPr lang="en-US" altLang="zh-CN" dirty="0" err="1" smtClean="0">
+              <a:rPr lang="en-US" altLang="zh-CN" dirty="0" err="1">
                 <a:solidFill>
                   <a:schemeClr val="bg1"/>
                 </a:solidFill>
@@ -26530,7 +27697,7 @@
               <a:t>Appid</a:t>
             </a:r>
             <a:r>
-              <a:rPr lang="zh-CN" altLang="en-US" dirty="0" smtClean="0">
+              <a:rPr lang="zh-CN" altLang="en-US" dirty="0">
                 <a:solidFill>
                   <a:schemeClr val="bg1"/>
                 </a:solidFill>
@@ -26540,7 +27707,7 @@
               <a:t>和</a:t>
             </a:r>
             <a:r>
-              <a:rPr lang="en-US" altLang="zh-CN" dirty="0" err="1" smtClean="0">
+              <a:rPr lang="en-US" altLang="zh-CN" dirty="0" err="1">
                 <a:solidFill>
                   <a:schemeClr val="bg1"/>
                 </a:solidFill>
@@ -26584,7 +27751,7 @@
           <a:lstStyle/>
           <a:p>
             <a:r>
-              <a:rPr lang="en-US" altLang="zh-CN" dirty="0" smtClean="0">
+              <a:rPr lang="en-US" altLang="zh-CN" dirty="0">
                 <a:solidFill>
                   <a:schemeClr val="bg1"/>
                 </a:solidFill>
@@ -26594,7 +27761,7 @@
               <a:t>Step3.</a:t>
             </a:r>
             <a:r>
-              <a:rPr lang="zh-CN" altLang="en-US" dirty="0" smtClean="0">
+              <a:rPr lang="zh-CN" altLang="en-US" dirty="0">
                 <a:solidFill>
                   <a:schemeClr val="bg1"/>
                 </a:solidFill>
@@ -26603,13 +27770,6 @@
               </a:rPr>
               <a:t>第三方页面嵌入带有相关凭证的参数</a:t>
             </a:r>
-            <a:endParaRPr lang="zh-CN" altLang="en-US" dirty="0">
-              <a:solidFill>
-                <a:schemeClr val="bg1"/>
-              </a:solidFill>
-              <a:latin typeface="宋体" panose="02010600030101010101" pitchFamily="2" charset="-122"/>
-              <a:ea typeface="宋体" panose="02010600030101010101" pitchFamily="2" charset="-122"/>
-            </a:endParaRPr>
           </a:p>
         </p:txBody>
       </p:sp>
@@ -26638,7 +27798,7 @@
           <a:lstStyle/>
           <a:p>
             <a:r>
-              <a:rPr lang="en-US" altLang="zh-CN" dirty="0" smtClean="0">
+              <a:rPr lang="en-US" altLang="zh-CN" dirty="0">
                 <a:solidFill>
                   <a:schemeClr val="bg1"/>
                 </a:solidFill>
@@ -26648,7 +27808,7 @@
               <a:t>Step4.</a:t>
             </a:r>
             <a:r>
-              <a:rPr lang="zh-CN" altLang="en-US" dirty="0" smtClean="0">
+              <a:rPr lang="zh-CN" altLang="en-US" dirty="0">
                 <a:solidFill>
                   <a:schemeClr val="bg1"/>
                 </a:solidFill>
@@ -26657,13 +27817,6 @@
               </a:rPr>
               <a:t>上线调试，和搜谷进行相关测试，搜谷提供相关测试订单，上线</a:t>
             </a:r>
-            <a:endParaRPr lang="zh-CN" altLang="en-US" dirty="0">
-              <a:solidFill>
-                <a:schemeClr val="bg1"/>
-              </a:solidFill>
-              <a:latin typeface="宋体" panose="02010600030101010101" pitchFamily="2" charset="-122"/>
-              <a:ea typeface="宋体" panose="02010600030101010101" pitchFamily="2" charset="-122"/>
-            </a:endParaRPr>
           </a:p>
         </p:txBody>
       </p:sp>
@@ -26726,15 +27879,15 @@
           <a:lstStyle/>
           <a:p>
             <a:r>
-              <a:rPr lang="zh-CN" altLang="en-US" dirty="0" smtClean="0"/>
+              <a:rPr lang="zh-CN" altLang="en-US" dirty="0"/>
               <a:t>跳转</a:t>
             </a:r>
             <a:r>
-              <a:rPr lang="en-US" altLang="zh-CN" dirty="0" smtClean="0"/>
+              <a:rPr lang="en-US" altLang="zh-CN" dirty="0"/>
               <a:t>APP-</a:t>
             </a:r>
             <a:r>
-              <a:rPr lang="zh-CN" altLang="en-US" dirty="0" smtClean="0"/>
+              <a:rPr lang="zh-CN" altLang="en-US" dirty="0"/>
               <a:t>业务流程</a:t>
             </a:r>
             <a:endParaRPr lang="en-US" altLang="zh-CN" dirty="0">
@@ -27575,16 +28728,12 @@
           <a:lstStyle/>
           <a:p>
             <a:r>
-              <a:rPr lang="zh-CN" altLang="en-US" sz="1600" b="1" dirty="0" smtClean="0">
+              <a:rPr lang="zh-CN" altLang="en-US" sz="1600" b="1" dirty="0">
                 <a:latin typeface="华文宋体" panose="02010600040101010101" pitchFamily="2" charset="-122"/>
                 <a:ea typeface="华文宋体" panose="02010600040101010101" pitchFamily="2" charset="-122"/>
               </a:rPr>
               <a:t>点击</a:t>
             </a:r>
-            <a:endParaRPr lang="zh-CN" altLang="en-US" sz="1600" b="1" dirty="0">
-              <a:latin typeface="华文宋体" panose="02010600040101010101" pitchFamily="2" charset="-122"/>
-              <a:ea typeface="华文宋体" panose="02010600040101010101" pitchFamily="2" charset="-122"/>
-            </a:endParaRPr>
           </a:p>
         </p:txBody>
       </p:sp>
@@ -27611,16 +28760,12 @@
           <a:lstStyle/>
           <a:p>
             <a:r>
-              <a:rPr lang="zh-CN" altLang="en-US" sz="1600" b="1" dirty="0" smtClean="0">
+              <a:rPr lang="zh-CN" altLang="en-US" sz="1600" b="1" dirty="0">
                 <a:latin typeface="华文宋体" panose="02010600040101010101" pitchFamily="2" charset="-122"/>
                 <a:ea typeface="华文宋体" panose="02010600040101010101" pitchFamily="2" charset="-122"/>
               </a:rPr>
               <a:t>自动打开</a:t>
             </a:r>
-            <a:endParaRPr lang="zh-CN" altLang="en-US" sz="1600" b="1" dirty="0">
-              <a:latin typeface="华文宋体" panose="02010600040101010101" pitchFamily="2" charset="-122"/>
-              <a:ea typeface="华文宋体" panose="02010600040101010101" pitchFamily="2" charset="-122"/>
-            </a:endParaRPr>
           </a:p>
         </p:txBody>
       </p:sp>
@@ -27647,14 +28792,14 @@
           <a:lstStyle/>
           <a:p>
             <a:r>
-              <a:rPr lang="zh-CN" altLang="en-US" sz="1400" b="1" dirty="0" smtClean="0">
+              <a:rPr lang="zh-CN" altLang="en-US" sz="1400" b="1" dirty="0">
                 <a:latin typeface="华文宋体" panose="02010600040101010101" pitchFamily="2" charset="-122"/>
                 <a:ea typeface="华文宋体" panose="02010600040101010101" pitchFamily="2" charset="-122"/>
               </a:rPr>
               <a:t>进入搜谷</a:t>
             </a:r>
             <a:r>
-              <a:rPr lang="en-US" altLang="zh-CN" sz="1400" b="1" dirty="0" smtClean="0">
+              <a:rPr lang="en-US" altLang="zh-CN" sz="1400" b="1" dirty="0">
                 <a:latin typeface="华文宋体" panose="02010600040101010101" pitchFamily="2" charset="-122"/>
                 <a:ea typeface="华文宋体" panose="02010600040101010101" pitchFamily="2" charset="-122"/>
               </a:rPr>
@@ -27690,16 +28835,12 @@
           <a:lstStyle/>
           <a:p>
             <a:r>
-              <a:rPr lang="zh-CN" altLang="en-US" sz="1200" b="1" dirty="0" smtClean="0">
+              <a:rPr lang="zh-CN" altLang="en-US" sz="1200" b="1" dirty="0">
                 <a:latin typeface="华文宋体" panose="02010600040101010101" pitchFamily="2" charset="-122"/>
                 <a:ea typeface="华文宋体" panose="02010600040101010101" pitchFamily="2" charset="-122"/>
               </a:rPr>
               <a:t>例如：亿通行</a:t>
             </a:r>
-            <a:endParaRPr lang="zh-CN" altLang="en-US" sz="1200" b="1" dirty="0">
-              <a:latin typeface="华文宋体" panose="02010600040101010101" pitchFamily="2" charset="-122"/>
-              <a:ea typeface="华文宋体" panose="02010600040101010101" pitchFamily="2" charset="-122"/>
-            </a:endParaRPr>
           </a:p>
         </p:txBody>
       </p:sp>
@@ -27762,15 +28903,15 @@
           <a:lstStyle/>
           <a:p>
             <a:r>
-              <a:rPr lang="zh-CN" altLang="en-US" dirty="0" smtClean="0"/>
+              <a:rPr lang="zh-CN" altLang="en-US" dirty="0"/>
               <a:t>跳转</a:t>
             </a:r>
             <a:r>
-              <a:rPr lang="en-US" altLang="zh-CN" dirty="0" smtClean="0"/>
+              <a:rPr lang="en-US" altLang="zh-CN" dirty="0"/>
               <a:t>APP-</a:t>
             </a:r>
             <a:r>
-              <a:rPr lang="zh-CN" altLang="en-US" dirty="0" smtClean="0"/>
+              <a:rPr lang="zh-CN" altLang="en-US" dirty="0"/>
               <a:t>技术接入</a:t>
             </a:r>
             <a:endParaRPr lang="en-US" altLang="zh-CN" dirty="0">
@@ -27985,7 +29126,7 @@
             <a:lstStyle/>
             <a:p>
               <a:r>
-                <a:rPr lang="zh-CN" altLang="en-US" b="1" dirty="0" smtClean="0">
+                <a:rPr lang="zh-CN" altLang="en-US" b="1" dirty="0">
                   <a:solidFill>
                     <a:schemeClr val="bg1"/>
                   </a:solidFill>
@@ -27994,13 +29135,6 @@
                 </a:rPr>
                 <a:t>接入注册</a:t>
               </a:r>
-              <a:endParaRPr lang="zh-CN" altLang="en-US" b="1" dirty="0">
-                <a:solidFill>
-                  <a:schemeClr val="bg1"/>
-                </a:solidFill>
-                <a:latin typeface="宋体" panose="02010600030101010101" pitchFamily="2" charset="-122"/>
-                <a:ea typeface="宋体" panose="02010600030101010101" pitchFamily="2" charset="-122"/>
-              </a:endParaRPr>
             </a:p>
           </p:txBody>
         </p:sp>
@@ -28027,7 +29161,7 @@
             <a:lstStyle/>
             <a:p>
               <a:r>
-                <a:rPr lang="zh-CN" altLang="en-US" b="1" dirty="0" smtClean="0">
+                <a:rPr lang="zh-CN" altLang="en-US" b="1" dirty="0">
                   <a:solidFill>
                     <a:schemeClr val="bg1"/>
                   </a:solidFill>
@@ -28036,13 +29170,6 @@
                 </a:rPr>
                 <a:t>颁发凭证</a:t>
               </a:r>
-              <a:endParaRPr lang="zh-CN" altLang="en-US" b="1" dirty="0">
-                <a:solidFill>
-                  <a:schemeClr val="bg1"/>
-                </a:solidFill>
-                <a:latin typeface="宋体" panose="02010600030101010101" pitchFamily="2" charset="-122"/>
-                <a:ea typeface="宋体" panose="02010600030101010101" pitchFamily="2" charset="-122"/>
-              </a:endParaRPr>
             </a:p>
           </p:txBody>
         </p:sp>
@@ -28069,7 +29196,7 @@
             <a:lstStyle/>
             <a:p>
               <a:r>
-                <a:rPr lang="zh-CN" altLang="en-US" b="1" dirty="0" smtClean="0">
+                <a:rPr lang="zh-CN" altLang="en-US" b="1" dirty="0">
                   <a:solidFill>
                     <a:schemeClr val="bg1"/>
                   </a:solidFill>
@@ -28078,13 +29205,6 @@
                 </a:rPr>
                 <a:t>第三方接入</a:t>
               </a:r>
-              <a:endParaRPr lang="zh-CN" altLang="en-US" b="1" dirty="0">
-                <a:solidFill>
-                  <a:schemeClr val="bg1"/>
-                </a:solidFill>
-                <a:latin typeface="宋体" panose="02010600030101010101" pitchFamily="2" charset="-122"/>
-                <a:ea typeface="宋体" panose="02010600030101010101" pitchFamily="2" charset="-122"/>
-              </a:endParaRPr>
             </a:p>
           </p:txBody>
         </p:sp>
@@ -28111,7 +29231,7 @@
             <a:lstStyle/>
             <a:p>
               <a:r>
-                <a:rPr lang="zh-CN" altLang="en-US" b="1" dirty="0" smtClean="0">
+                <a:rPr lang="zh-CN" altLang="en-US" b="1" dirty="0">
                   <a:solidFill>
                     <a:schemeClr val="bg1"/>
                   </a:solidFill>
@@ -28120,13 +29240,6 @@
                 </a:rPr>
                 <a:t>上线</a:t>
               </a:r>
-              <a:endParaRPr lang="zh-CN" altLang="en-US" b="1" dirty="0">
-                <a:solidFill>
-                  <a:schemeClr val="bg1"/>
-                </a:solidFill>
-                <a:latin typeface="宋体" panose="02010600030101010101" pitchFamily="2" charset="-122"/>
-                <a:ea typeface="宋体" panose="02010600030101010101" pitchFamily="2" charset="-122"/>
-              </a:endParaRPr>
             </a:p>
           </p:txBody>
         </p:sp>
@@ -28156,7 +29269,7 @@
           <a:lstStyle/>
           <a:p>
             <a:r>
-              <a:rPr lang="en-US" altLang="zh-CN" dirty="0" smtClean="0">
+              <a:rPr lang="en-US" altLang="zh-CN" dirty="0">
                 <a:solidFill>
                   <a:schemeClr val="bg1"/>
                 </a:solidFill>
@@ -28166,7 +29279,7 @@
               <a:t>Step1.</a:t>
             </a:r>
             <a:r>
-              <a:rPr lang="zh-CN" altLang="en-US" dirty="0" smtClean="0">
+              <a:rPr lang="zh-CN" altLang="en-US" dirty="0">
                 <a:solidFill>
                   <a:schemeClr val="bg1"/>
                 </a:solidFill>
@@ -28175,13 +29288,6 @@
               </a:rPr>
               <a:t>在搜谷管理后台注册，填写相关第三方信息</a:t>
             </a:r>
-            <a:endParaRPr lang="zh-CN" altLang="en-US" dirty="0">
-              <a:solidFill>
-                <a:schemeClr val="bg1"/>
-              </a:solidFill>
-              <a:latin typeface="宋体" panose="02010600030101010101" pitchFamily="2" charset="-122"/>
-              <a:ea typeface="宋体" panose="02010600030101010101" pitchFamily="2" charset="-122"/>
-            </a:endParaRPr>
           </a:p>
         </p:txBody>
       </p:sp>
@@ -28210,7 +29316,7 @@
           <a:lstStyle/>
           <a:p>
             <a:r>
-              <a:rPr lang="en-US" altLang="zh-CN" dirty="0" smtClean="0">
+              <a:rPr lang="en-US" altLang="zh-CN" dirty="0">
                 <a:solidFill>
                   <a:schemeClr val="bg1"/>
                 </a:solidFill>
@@ -28220,7 +29326,7 @@
               <a:t>Step2.</a:t>
             </a:r>
             <a:r>
-              <a:rPr lang="zh-CN" altLang="en-US" sz="1400" dirty="0" smtClean="0">
+              <a:rPr lang="zh-CN" altLang="en-US" sz="1400" dirty="0">
                 <a:solidFill>
                   <a:schemeClr val="bg1"/>
                 </a:solidFill>
@@ -28230,7 +29336,7 @@
               <a:t>搜谷审核后，颁发</a:t>
             </a:r>
             <a:r>
-              <a:rPr lang="en-US" altLang="zh-CN" sz="1400" dirty="0" err="1" smtClean="0">
+              <a:rPr lang="en-US" altLang="zh-CN" sz="1400" dirty="0" err="1">
                 <a:solidFill>
                   <a:schemeClr val="bg1"/>
                 </a:solidFill>
@@ -28240,7 +29346,7 @@
               <a:t>Appid</a:t>
             </a:r>
             <a:r>
-              <a:rPr lang="zh-CN" altLang="en-US" sz="1400" dirty="0" smtClean="0">
+              <a:rPr lang="zh-CN" altLang="en-US" sz="1400" dirty="0">
                 <a:solidFill>
                   <a:schemeClr val="bg1"/>
                 </a:solidFill>
@@ -28250,7 +29356,7 @@
               <a:t>和</a:t>
             </a:r>
             <a:r>
-              <a:rPr lang="en-US" altLang="zh-CN" sz="1400" dirty="0" err="1" smtClean="0">
+              <a:rPr lang="en-US" altLang="zh-CN" sz="1400" dirty="0" err="1">
                 <a:solidFill>
                   <a:schemeClr val="bg1"/>
                 </a:solidFill>
@@ -28260,7 +29366,7 @@
               <a:t>AccessToken</a:t>
             </a:r>
             <a:r>
-              <a:rPr lang="zh-CN" altLang="en-US" sz="1400" dirty="0" smtClean="0">
+              <a:rPr lang="zh-CN" altLang="en-US" sz="1400" dirty="0">
                 <a:solidFill>
                   <a:schemeClr val="bg1"/>
                 </a:solidFill>
@@ -28269,13 +29375,6 @@
               </a:rPr>
               <a:t>，并在相关安卓市场开放跳转权限</a:t>
             </a:r>
-            <a:endParaRPr lang="zh-CN" altLang="en-US" sz="1400" dirty="0">
-              <a:solidFill>
-                <a:schemeClr val="bg1"/>
-              </a:solidFill>
-              <a:latin typeface="宋体" panose="02010600030101010101" pitchFamily="2" charset="-122"/>
-              <a:ea typeface="宋体" panose="02010600030101010101" pitchFamily="2" charset="-122"/>
-            </a:endParaRPr>
           </a:p>
         </p:txBody>
       </p:sp>
@@ -28304,7 +29403,7 @@
           <a:lstStyle/>
           <a:p>
             <a:r>
-              <a:rPr lang="en-US" altLang="zh-CN" dirty="0" smtClean="0">
+              <a:rPr lang="en-US" altLang="zh-CN" dirty="0">
                 <a:solidFill>
                   <a:schemeClr val="bg1"/>
                 </a:solidFill>
@@ -28314,7 +29413,7 @@
               <a:t>Step3.</a:t>
             </a:r>
             <a:r>
-              <a:rPr lang="zh-CN" altLang="en-US" dirty="0" smtClean="0">
+              <a:rPr lang="zh-CN" altLang="en-US" dirty="0">
                 <a:solidFill>
                   <a:schemeClr val="bg1"/>
                 </a:solidFill>
@@ -28323,13 +29422,6 @@
               </a:rPr>
               <a:t>第三方页面嵌入带有相关凭证的系统跳转流程</a:t>
             </a:r>
-            <a:endParaRPr lang="zh-CN" altLang="en-US" dirty="0">
-              <a:solidFill>
-                <a:schemeClr val="bg1"/>
-              </a:solidFill>
-              <a:latin typeface="宋体" panose="02010600030101010101" pitchFamily="2" charset="-122"/>
-              <a:ea typeface="宋体" panose="02010600030101010101" pitchFamily="2" charset="-122"/>
-            </a:endParaRPr>
           </a:p>
         </p:txBody>
       </p:sp>
@@ -28358,7 +29450,7 @@
           <a:lstStyle/>
           <a:p>
             <a:r>
-              <a:rPr lang="en-US" altLang="zh-CN" dirty="0" smtClean="0">
+              <a:rPr lang="en-US" altLang="zh-CN" dirty="0">
                 <a:solidFill>
                   <a:schemeClr val="bg1"/>
                 </a:solidFill>
@@ -28368,7 +29460,7 @@
               <a:t>Step4.</a:t>
             </a:r>
             <a:r>
-              <a:rPr lang="zh-CN" altLang="en-US" dirty="0" smtClean="0">
+              <a:rPr lang="zh-CN" altLang="en-US" dirty="0">
                 <a:solidFill>
                   <a:schemeClr val="bg1"/>
                 </a:solidFill>
@@ -28377,13 +29469,6 @@
               </a:rPr>
               <a:t>上线调试，和搜谷进行相关测试，搜谷提供相关测试订单，上线</a:t>
             </a:r>
-            <a:endParaRPr lang="zh-CN" altLang="en-US" dirty="0">
-              <a:solidFill>
-                <a:schemeClr val="bg1"/>
-              </a:solidFill>
-              <a:latin typeface="宋体" panose="02010600030101010101" pitchFamily="2" charset="-122"/>
-              <a:ea typeface="宋体" panose="02010600030101010101" pitchFamily="2" charset="-122"/>
-            </a:endParaRPr>
           </a:p>
         </p:txBody>
       </p:sp>
@@ -28425,7 +29510,7 @@
                 <a16:creationId xmlns:a16="http://schemas.microsoft.com/office/drawing/2014/main" id="{230BD1B1-AA22-48F1-B3ED-579CD284605D}"/>
               </a:ext>
               <a:ext uri="{C183D7F6-B498-43B3-948B-1728B52AA6E4}">
-                <adec:decorative xmlns:adec="http://schemas.microsoft.com/office/drawing/2017/decorative" xmlns="" val="1"/>
+                <adec:decorative xmlns:adec="http://schemas.microsoft.com/office/drawing/2017/decorative" val="1"/>
               </a:ext>
             </a:extLst>
           </p:cNvPr>
@@ -28484,7 +29569,7 @@
           <a:p>
             <a:pPr algn="l"/>
             <a:r>
-              <a:rPr lang="zh-CN" altLang="en-US" sz="4000" dirty="0" smtClean="0">
+              <a:rPr lang="zh-CN" altLang="en-US" sz="4000" dirty="0">
                 <a:solidFill>
                   <a:srgbClr val="FFFFFF"/>
                 </a:solidFill>
@@ -28558,15 +29643,15 @@
           <a:lstStyle/>
           <a:p>
             <a:r>
-              <a:rPr lang="zh-CN" altLang="en-US" dirty="0" smtClean="0"/>
+              <a:rPr lang="zh-CN" altLang="en-US" dirty="0"/>
               <a:t>聚合打车</a:t>
             </a:r>
             <a:r>
-              <a:rPr lang="en-US" altLang="zh-CN" dirty="0" smtClean="0"/>
+              <a:rPr lang="en-US" altLang="zh-CN" dirty="0"/>
               <a:t>-</a:t>
             </a:r>
             <a:r>
-              <a:rPr lang="zh-CN" altLang="en-US" dirty="0" smtClean="0"/>
+              <a:rPr lang="zh-CN" altLang="en-US" dirty="0"/>
               <a:t>业务流程</a:t>
             </a:r>
             <a:endParaRPr lang="en-US" altLang="zh-CN" dirty="0">
@@ -29663,7 +30748,7 @@
           <a:lstStyle/>
           <a:p>
             <a:r>
-              <a:rPr lang="zh-CN" altLang="en-US" b="1" dirty="0" smtClean="0">
+              <a:rPr lang="zh-CN" altLang="en-US" b="1" dirty="0">
                 <a:solidFill>
                   <a:schemeClr val="bg1"/>
                 </a:solidFill>
@@ -29672,13 +30757,6 @@
               </a:rPr>
               <a:t>搜谷聚合订单池</a:t>
             </a:r>
-            <a:endParaRPr lang="zh-CN" altLang="en-US" b="1" dirty="0">
-              <a:solidFill>
-                <a:schemeClr val="bg1"/>
-              </a:solidFill>
-              <a:latin typeface="宋体" panose="02010600030101010101" pitchFamily="2" charset="-122"/>
-              <a:ea typeface="宋体" panose="02010600030101010101" pitchFamily="2" charset="-122"/>
-            </a:endParaRPr>
           </a:p>
         </p:txBody>
       </p:sp>
@@ -29707,7 +30785,7 @@
           <a:lstStyle/>
           <a:p>
             <a:r>
-              <a:rPr lang="zh-CN" altLang="en-US" b="1" dirty="0" smtClean="0">
+              <a:rPr lang="zh-CN" altLang="en-US" b="1" dirty="0">
                 <a:solidFill>
                   <a:schemeClr val="bg1"/>
                 </a:solidFill>
@@ -29716,13 +30794,6 @@
               </a:rPr>
               <a:t>搜谷聚合司机池</a:t>
             </a:r>
-            <a:endParaRPr lang="zh-CN" altLang="en-US" b="1" dirty="0">
-              <a:solidFill>
-                <a:schemeClr val="bg1"/>
-              </a:solidFill>
-              <a:latin typeface="宋体" panose="02010600030101010101" pitchFamily="2" charset="-122"/>
-              <a:ea typeface="宋体" panose="02010600030101010101" pitchFamily="2" charset="-122"/>
-            </a:endParaRPr>
           </a:p>
         </p:txBody>
       </p:sp>
@@ -30439,6 +31510,453 @@
     <p:extLst>
       <p:ext uri="{BB962C8B-B14F-4D97-AF65-F5344CB8AC3E}">
         <p14:creationId xmlns:p14="http://schemas.microsoft.com/office/powerpoint/2010/main" val="2358442794"/>
+      </p:ext>
+    </p:extLst>
+  </p:cSld>
+  <p:clrMapOvr>
+    <a:masterClrMapping/>
+  </p:clrMapOvr>
+</p:sld>
+</file>
+
+<file path=ppt/slides/slide9.xml><?xml version="1.0" encoding="utf-8"?>
+<p:sld xmlns:a="http://schemas.openxmlformats.org/drawingml/2006/main" xmlns:r="http://schemas.openxmlformats.org/officeDocument/2006/relationships" xmlns:p="http://schemas.openxmlformats.org/presentationml/2006/main">
+  <p:cSld>
+    <p:spTree>
+      <p:nvGrpSpPr>
+        <p:cNvPr id="1" name=""/>
+        <p:cNvGrpSpPr/>
+        <p:nvPr/>
+      </p:nvGrpSpPr>
+      <p:grpSpPr>
+        <a:xfrm>
+          <a:off x="0" y="0"/>
+          <a:ext cx="0" cy="0"/>
+          <a:chOff x="0" y="0"/>
+          <a:chExt cx="0" cy="0"/>
+        </a:xfrm>
+      </p:grpSpPr>
+      <p:sp>
+        <p:nvSpPr>
+          <p:cNvPr id="2" name="标题 1">
+            <a:extLst>
+              <a:ext uri="{FF2B5EF4-FFF2-40B4-BE49-F238E27FC236}">
+                <a16:creationId xmlns:a16="http://schemas.microsoft.com/office/drawing/2014/main" id="{7A4919D0-F177-4BBA-9A0B-DBA69E2ED764}"/>
+              </a:ext>
+            </a:extLst>
+          </p:cNvPr>
+          <p:cNvSpPr>
+            <a:spLocks noGrp="1"/>
+          </p:cNvSpPr>
+          <p:nvPr>
+            <p:ph type="title"/>
+          </p:nvPr>
+        </p:nvSpPr>
+        <p:spPr>
+          <a:xfrm>
+            <a:off x="1024128" y="585216"/>
+            <a:ext cx="9720072" cy="1499616"/>
+          </a:xfrm>
+        </p:spPr>
+        <p:txBody>
+          <a:bodyPr rtlCol="0">
+            <a:normAutofit/>
+          </a:bodyPr>
+          <a:lstStyle/>
+          <a:p>
+            <a:r>
+              <a:rPr lang="zh-CN" altLang="en-US" dirty="0"/>
+              <a:t>整体业务</a:t>
+            </a:r>
+            <a:r>
+              <a:rPr lang="en-US" altLang="zh-CN" dirty="0"/>
+              <a:t>-</a:t>
+            </a:r>
+            <a:r>
+              <a:rPr lang="zh-CN" altLang="en-US" dirty="0"/>
+              <a:t>植入点</a:t>
+            </a:r>
+            <a:endParaRPr lang="en-US" altLang="zh-CN" dirty="0">
+              <a:latin typeface="Microsoft YaHei UI" panose="020B0503020204020204" pitchFamily="34" charset="-122"/>
+              <a:ea typeface="Microsoft YaHei UI" panose="020B0503020204020204" pitchFamily="34" charset="-122"/>
+            </a:endParaRPr>
+          </a:p>
+        </p:txBody>
+      </p:sp>
+      <p:pic>
+        <p:nvPicPr>
+          <p:cNvPr id="4" name="图片 3"/>
+          <p:cNvPicPr>
+            <a:picLocks noChangeAspect="1"/>
+          </p:cNvPicPr>
+          <p:nvPr/>
+        </p:nvPicPr>
+        <p:blipFill>
+          <a:blip r:embed="rId3">
+            <a:extLst>
+              <a:ext uri="{28A0092B-C50C-407E-A947-70E740481C1C}">
+                <a14:useLocalDpi xmlns:a14="http://schemas.microsoft.com/office/drawing/2010/main" val="0"/>
+              </a:ext>
+            </a:extLst>
+          </a:blip>
+          <a:stretch>
+            <a:fillRect/>
+          </a:stretch>
+        </p:blipFill>
+        <p:spPr>
+          <a:xfrm>
+            <a:off x="962378" y="2014724"/>
+            <a:ext cx="1909446" cy="3412849"/>
+          </a:xfrm>
+          <a:prstGeom prst="rect">
+            <a:avLst/>
+          </a:prstGeom>
+        </p:spPr>
+      </p:pic>
+      <p:pic>
+        <p:nvPicPr>
+          <p:cNvPr id="3" name="图片 2"/>
+          <p:cNvPicPr>
+            <a:picLocks noChangeAspect="1"/>
+          </p:cNvPicPr>
+          <p:nvPr/>
+        </p:nvPicPr>
+        <p:blipFill>
+          <a:blip r:embed="rId4">
+            <a:extLst>
+              <a:ext uri="{28A0092B-C50C-407E-A947-70E740481C1C}">
+                <a14:useLocalDpi xmlns:a14="http://schemas.microsoft.com/office/drawing/2010/main" val="0"/>
+              </a:ext>
+            </a:extLst>
+          </a:blip>
+          <a:stretch>
+            <a:fillRect/>
+          </a:stretch>
+        </p:blipFill>
+        <p:spPr>
+          <a:xfrm>
+            <a:off x="6749177" y="2014724"/>
+            <a:ext cx="2002937" cy="3412849"/>
+          </a:xfrm>
+          <a:prstGeom prst="rect">
+            <a:avLst/>
+          </a:prstGeom>
+        </p:spPr>
+      </p:pic>
+      <p:pic>
+        <p:nvPicPr>
+          <p:cNvPr id="10" name="图片 9"/>
+          <p:cNvPicPr>
+            <a:picLocks noChangeAspect="1"/>
+          </p:cNvPicPr>
+          <p:nvPr/>
+        </p:nvPicPr>
+        <p:blipFill>
+          <a:blip r:embed="rId5">
+            <a:extLst>
+              <a:ext uri="{28A0092B-C50C-407E-A947-70E740481C1C}">
+                <a14:useLocalDpi xmlns:a14="http://schemas.microsoft.com/office/drawing/2010/main" val="0"/>
+              </a:ext>
+            </a:extLst>
+          </a:blip>
+          <a:stretch>
+            <a:fillRect/>
+          </a:stretch>
+        </p:blipFill>
+        <p:spPr>
+          <a:xfrm>
+            <a:off x="8752114" y="2010805"/>
+            <a:ext cx="1846479" cy="3420687"/>
+          </a:xfrm>
+          <a:prstGeom prst="rect">
+            <a:avLst/>
+          </a:prstGeom>
+        </p:spPr>
+      </p:pic>
+      <p:pic>
+        <p:nvPicPr>
+          <p:cNvPr id="29" name="图片 28">
+            <a:extLst>
+              <a:ext uri="{FF2B5EF4-FFF2-40B4-BE49-F238E27FC236}">
+                <a16:creationId xmlns:a16="http://schemas.microsoft.com/office/drawing/2014/main" id="{38BFBAE4-3FF6-4DF8-9C02-C1FE47FB7EF9}"/>
+              </a:ext>
+            </a:extLst>
+          </p:cNvPr>
+          <p:cNvPicPr>
+            <a:picLocks noChangeAspect="1"/>
+          </p:cNvPicPr>
+          <p:nvPr/>
+        </p:nvPicPr>
+        <p:blipFill>
+          <a:blip r:embed="rId6"/>
+          <a:stretch>
+            <a:fillRect/>
+          </a:stretch>
+        </p:blipFill>
+        <p:spPr>
+          <a:xfrm>
+            <a:off x="4718303" y="2014724"/>
+            <a:ext cx="2030874" cy="3416768"/>
+          </a:xfrm>
+          <a:prstGeom prst="rect">
+            <a:avLst/>
+          </a:prstGeom>
+        </p:spPr>
+      </p:pic>
+      <p:pic>
+        <p:nvPicPr>
+          <p:cNvPr id="30" name="图片 29">
+            <a:extLst>
+              <a:ext uri="{FF2B5EF4-FFF2-40B4-BE49-F238E27FC236}">
+                <a16:creationId xmlns:a16="http://schemas.microsoft.com/office/drawing/2014/main" id="{94D82C28-6882-47CB-BE8B-F60DA665AE95}"/>
+              </a:ext>
+            </a:extLst>
+          </p:cNvPr>
+          <p:cNvPicPr>
+            <a:picLocks noChangeAspect="1"/>
+          </p:cNvPicPr>
+          <p:nvPr/>
+        </p:nvPicPr>
+        <p:blipFill>
+          <a:blip r:embed="rId7"/>
+          <a:stretch>
+            <a:fillRect/>
+          </a:stretch>
+        </p:blipFill>
+        <p:spPr>
+          <a:xfrm>
+            <a:off x="2871824" y="2014724"/>
+            <a:ext cx="1846479" cy="3412849"/>
+          </a:xfrm>
+          <a:prstGeom prst="rect">
+            <a:avLst/>
+          </a:prstGeom>
+        </p:spPr>
+      </p:pic>
+      <p:sp>
+        <p:nvSpPr>
+          <p:cNvPr id="32" name="矩形: 圆角 31">
+            <a:extLst>
+              <a:ext uri="{FF2B5EF4-FFF2-40B4-BE49-F238E27FC236}">
+                <a16:creationId xmlns:a16="http://schemas.microsoft.com/office/drawing/2014/main" id="{7E2E081A-7696-45F8-9F29-4A390EF3E778}"/>
+              </a:ext>
+            </a:extLst>
+          </p:cNvPr>
+          <p:cNvSpPr/>
+          <p:nvPr/>
+        </p:nvSpPr>
+        <p:spPr>
+          <a:xfrm>
+            <a:off x="2335639" y="4295067"/>
+            <a:ext cx="379727" cy="381436"/>
+          </a:xfrm>
+          <a:prstGeom prst="roundRect">
+            <a:avLst/>
+          </a:prstGeom>
+          <a:noFill/>
+          <a:ln w="22225">
+            <a:solidFill>
+              <a:srgbClr val="FF0000"/>
+            </a:solidFill>
+            <a:prstDash val="sysDot"/>
+          </a:ln>
+        </p:spPr>
+        <p:style>
+          <a:lnRef idx="2">
+            <a:schemeClr val="accent1">
+              <a:shade val="50000"/>
+            </a:schemeClr>
+          </a:lnRef>
+          <a:fillRef idx="1">
+            <a:schemeClr val="accent1"/>
+          </a:fillRef>
+          <a:effectRef idx="0">
+            <a:schemeClr val="accent1"/>
+          </a:effectRef>
+          <a:fontRef idx="minor">
+            <a:schemeClr val="lt1"/>
+          </a:fontRef>
+        </p:style>
+        <p:txBody>
+          <a:bodyPr rtlCol="0" anchor="ctr"/>
+          <a:lstStyle/>
+          <a:p>
+            <a:pPr algn="ctr"/>
+            <a:endParaRPr lang="zh-CN" altLang="en-US"/>
+          </a:p>
+        </p:txBody>
+      </p:sp>
+      <p:sp>
+        <p:nvSpPr>
+          <p:cNvPr id="34" name="矩形: 圆角 33">
+            <a:extLst>
+              <a:ext uri="{FF2B5EF4-FFF2-40B4-BE49-F238E27FC236}">
+                <a16:creationId xmlns:a16="http://schemas.microsoft.com/office/drawing/2014/main" id="{E127880E-A3C5-441F-8E53-B60AA8D2CE4B}"/>
+              </a:ext>
+            </a:extLst>
+          </p:cNvPr>
+          <p:cNvSpPr/>
+          <p:nvPr/>
+        </p:nvSpPr>
+        <p:spPr>
+          <a:xfrm>
+            <a:off x="3850434" y="2178604"/>
+            <a:ext cx="341077" cy="214792"/>
+          </a:xfrm>
+          <a:prstGeom prst="roundRect">
+            <a:avLst/>
+          </a:prstGeom>
+          <a:noFill/>
+          <a:ln w="22225">
+            <a:solidFill>
+              <a:srgbClr val="FF0000"/>
+            </a:solidFill>
+            <a:prstDash val="sysDot"/>
+          </a:ln>
+        </p:spPr>
+        <p:style>
+          <a:lnRef idx="2">
+            <a:schemeClr val="accent1">
+              <a:shade val="50000"/>
+            </a:schemeClr>
+          </a:lnRef>
+          <a:fillRef idx="1">
+            <a:schemeClr val="accent1"/>
+          </a:fillRef>
+          <a:effectRef idx="0">
+            <a:schemeClr val="accent1"/>
+          </a:effectRef>
+          <a:fontRef idx="minor">
+            <a:schemeClr val="lt1"/>
+          </a:fontRef>
+        </p:style>
+        <p:txBody>
+          <a:bodyPr rtlCol="0" anchor="ctr"/>
+          <a:lstStyle/>
+          <a:p>
+            <a:pPr algn="ctr"/>
+            <a:endParaRPr lang="zh-CN" altLang="en-US"/>
+          </a:p>
+        </p:txBody>
+      </p:sp>
+      <p:sp>
+        <p:nvSpPr>
+          <p:cNvPr id="35" name="箭头: 虚尾 34">
+            <a:extLst>
+              <a:ext uri="{FF2B5EF4-FFF2-40B4-BE49-F238E27FC236}">
+                <a16:creationId xmlns:a16="http://schemas.microsoft.com/office/drawing/2014/main" id="{C3BF2427-E58C-4DE6-A100-C62C289EF566}"/>
+              </a:ext>
+            </a:extLst>
+          </p:cNvPr>
+          <p:cNvSpPr/>
+          <p:nvPr/>
+        </p:nvSpPr>
+        <p:spPr>
+          <a:xfrm rot="18664166">
+            <a:off x="1273910" y="4956293"/>
+            <a:ext cx="1212919" cy="354686"/>
+          </a:xfrm>
+          <a:prstGeom prst="stripedRightArrow">
+            <a:avLst>
+              <a:gd name="adj1" fmla="val 22313"/>
+              <a:gd name="adj2" fmla="val 159965"/>
+            </a:avLst>
+          </a:prstGeom>
+          <a:solidFill>
+            <a:srgbClr val="FF0000"/>
+          </a:solidFill>
+          <a:ln>
+            <a:solidFill>
+              <a:srgbClr val="FF0000"/>
+            </a:solidFill>
+          </a:ln>
+        </p:spPr>
+        <p:style>
+          <a:lnRef idx="2">
+            <a:schemeClr val="accent1">
+              <a:shade val="50000"/>
+            </a:schemeClr>
+          </a:lnRef>
+          <a:fillRef idx="1">
+            <a:schemeClr val="accent1"/>
+          </a:fillRef>
+          <a:effectRef idx="0">
+            <a:schemeClr val="accent1"/>
+          </a:effectRef>
+          <a:fontRef idx="minor">
+            <a:schemeClr val="lt1"/>
+          </a:fontRef>
+        </p:style>
+        <p:txBody>
+          <a:bodyPr rtlCol="0" anchor="ctr"/>
+          <a:lstStyle/>
+          <a:p>
+            <a:pPr algn="ctr"/>
+            <a:endParaRPr lang="zh-CN" altLang="en-US"/>
+          </a:p>
+        </p:txBody>
+      </p:sp>
+      <p:sp>
+        <p:nvSpPr>
+          <p:cNvPr id="36" name="箭头: 虚尾 35">
+            <a:extLst>
+              <a:ext uri="{FF2B5EF4-FFF2-40B4-BE49-F238E27FC236}">
+                <a16:creationId xmlns:a16="http://schemas.microsoft.com/office/drawing/2014/main" id="{84E8EC12-EAF6-43F0-9BAD-6B4D4D70533B}"/>
+              </a:ext>
+            </a:extLst>
+          </p:cNvPr>
+          <p:cNvSpPr/>
+          <p:nvPr/>
+        </p:nvSpPr>
+        <p:spPr>
+          <a:xfrm rot="2151236">
+            <a:off x="3123463" y="1851634"/>
+            <a:ext cx="766173" cy="192061"/>
+          </a:xfrm>
+          <a:prstGeom prst="stripedRightArrow">
+            <a:avLst>
+              <a:gd name="adj1" fmla="val 22313"/>
+              <a:gd name="adj2" fmla="val 177205"/>
+            </a:avLst>
+          </a:prstGeom>
+          <a:solidFill>
+            <a:srgbClr val="FF0000"/>
+          </a:solidFill>
+          <a:ln>
+            <a:solidFill>
+              <a:srgbClr val="FF0000"/>
+            </a:solidFill>
+          </a:ln>
+        </p:spPr>
+        <p:style>
+          <a:lnRef idx="2">
+            <a:schemeClr val="accent1">
+              <a:shade val="50000"/>
+            </a:schemeClr>
+          </a:lnRef>
+          <a:fillRef idx="1">
+            <a:schemeClr val="accent1"/>
+          </a:fillRef>
+          <a:effectRef idx="0">
+            <a:schemeClr val="accent1"/>
+          </a:effectRef>
+          <a:fontRef idx="minor">
+            <a:schemeClr val="lt1"/>
+          </a:fontRef>
+        </p:style>
+        <p:txBody>
+          <a:bodyPr rtlCol="0" anchor="ctr"/>
+          <a:lstStyle/>
+          <a:p>
+            <a:pPr algn="ctr"/>
+            <a:endParaRPr lang="zh-CN" altLang="en-US"/>
+          </a:p>
+        </p:txBody>
+      </p:sp>
+    </p:spTree>
+    <p:extLst>
+      <p:ext uri="{BB962C8B-B14F-4D97-AF65-F5344CB8AC3E}">
+        <p14:creationId xmlns:p14="http://schemas.microsoft.com/office/powerpoint/2010/main" val="2602249522"/>
       </p:ext>
     </p:extLst>
   </p:cSld>
@@ -31273,6 +32791,14 @@
 </file>
 
 <file path=customXml/item1.xml><?xml version="1.0" encoding="utf-8"?>
+<p:properties xmlns:p="http://schemas.microsoft.com/office/2006/metadata/properties" xmlns:xsi="http://www.w3.org/2001/XMLSchema-instance" xmlns:pc="http://schemas.microsoft.com/office/infopath/2007/PartnerControls">
+  <documentManagement>
+    <MediaServiceKeyPoints xmlns="71af3243-3dd4-4a8d-8c0d-dd76da1f02a5" xsi:nil="true"/>
+  </documentManagement>
+</p:properties>
+</file>
+
+<file path=customXml/item2.xml><?xml version="1.0" encoding="utf-8"?>
 <ct:contentTypeSchema xmlns:ct="http://schemas.microsoft.com/office/2006/metadata/contentType" xmlns:ma="http://schemas.microsoft.com/office/2006/metadata/properties/metaAttributes" ct:_="" ma:_="" ma:contentTypeName="Document" ma:contentTypeID="0x01010079F111ED35F8CC479449609E8A0923A6" ma:contentTypeVersion="11" ma:contentTypeDescription="Create a new document." ma:contentTypeScope="" ma:versionID="9677210f24a1be23c92c90fd886aa0aa">
   <xsd:schema xmlns:xsd="http://www.w3.org/2001/XMLSchema" xmlns:xs="http://www.w3.org/2001/XMLSchema" xmlns:p="http://schemas.microsoft.com/office/2006/metadata/properties" xmlns:ns2="71af3243-3dd4-4a8d-8c0d-dd76da1f02a5" xmlns:ns3="16c05727-aa75-4e4a-9b5f-8a80a1165891" targetNamespace="http://schemas.microsoft.com/office/2006/metadata/properties" ma:root="true" ma:fieldsID="60e05723c5c1908df1a1a4ebf11d344e" ns2:_="" ns3:_="">
     <xsd:import namespace="71af3243-3dd4-4a8d-8c0d-dd76da1f02a5"/>
@@ -31483,14 +33009,6 @@
 </ct:contentTypeSchema>
 </file>
 
-<file path=customXml/item2.xml><?xml version="1.0" encoding="utf-8"?>
-<p:properties xmlns:p="http://schemas.microsoft.com/office/2006/metadata/properties" xmlns:xsi="http://www.w3.org/2001/XMLSchema-instance" xmlns:pc="http://schemas.microsoft.com/office/infopath/2007/PartnerControls">
-  <documentManagement>
-    <MediaServiceKeyPoints xmlns="71af3243-3dd4-4a8d-8c0d-dd76da1f02a5" xsi:nil="true"/>
-  </documentManagement>
-</p:properties>
-</file>
-
 <file path=customXml/item3.xml><?xml version="1.0" encoding="utf-8"?>
 <?mso-contentType ?>
 <FormTemplates xmlns="http://schemas.microsoft.com/sharepoint/v3/contenttype/forms">
@@ -31501,6 +33019,16 @@
 </file>
 
 <file path=customXml/itemProps1.xml><?xml version="1.0" encoding="utf-8"?>
+<ds:datastoreItem xmlns:ds="http://schemas.openxmlformats.org/officeDocument/2006/customXml" ds:itemID="{788A2F88-55C5-4ED1-9541-807C65424763}">
+  <ds:schemaRefs>
+    <ds:schemaRef ds:uri="http://schemas.microsoft.com/office/2006/metadata/properties"/>
+    <ds:schemaRef ds:uri="http://schemas.microsoft.com/office/infopath/2007/PartnerControls"/>
+    <ds:schemaRef ds:uri="71af3243-3dd4-4a8d-8c0d-dd76da1f02a5"/>
+  </ds:schemaRefs>
+</ds:datastoreItem>
+</file>
+
+<file path=customXml/itemProps2.xml><?xml version="1.0" encoding="utf-8"?>
 <ds:datastoreItem xmlns:ds="http://schemas.openxmlformats.org/officeDocument/2006/customXml" ds:itemID="{B61EAB5F-88FC-4FAE-AE3C-037A3C365EB8}">
   <ds:schemaRefs>
     <ds:schemaRef ds:uri="http://schemas.microsoft.com/office/2006/metadata/contentType"/>
@@ -31519,16 +33047,6 @@
 </ds:datastoreItem>
 </file>
 
-<file path=customXml/itemProps2.xml><?xml version="1.0" encoding="utf-8"?>
-<ds:datastoreItem xmlns:ds="http://schemas.openxmlformats.org/officeDocument/2006/customXml" ds:itemID="{788A2F88-55C5-4ED1-9541-807C65424763}">
-  <ds:schemaRefs>
-    <ds:schemaRef ds:uri="http://schemas.microsoft.com/office/2006/metadata/properties"/>
-    <ds:schemaRef ds:uri="http://schemas.microsoft.com/office/infopath/2007/PartnerControls"/>
-    <ds:schemaRef ds:uri="71af3243-3dd4-4a8d-8c0d-dd76da1f02a5"/>
-  </ds:schemaRefs>
-</ds:datastoreItem>
-</file>
-
 <file path=customXml/itemProps3.xml><?xml version="1.0" encoding="utf-8"?>
 <ds:datastoreItem xmlns:ds="http://schemas.openxmlformats.org/officeDocument/2006/customXml" ds:itemID="{4F44C90D-2A62-4985-9618-3460247437B1}">
   <ds:schemaRefs>
